--- a/참고자료/template.pptx
+++ b/참고자료/template.pptx
@@ -5,8 +5,11 @@
     <p:sldMasterId id="2147483648" r:id="rId1"/>
   </p:sldMasterIdLst>
   <p:sldIdLst>
-    <p:sldId id="256" r:id="rId2"/>
-    <p:sldId id="257" r:id="rId3"/>
+    <p:sldId id="260" r:id="rId2"/>
+    <p:sldId id="258" r:id="rId3"/>
+    <p:sldId id="259" r:id="rId4"/>
+    <p:sldId id="261" r:id="rId5"/>
+    <p:sldId id="262" r:id="rId6"/>
   </p:sldIdLst>
   <p:sldSz cx="12192000" cy="6858000"/>
   <p:notesSz cx="6858000" cy="9144000"/>
@@ -105,6 +108,11 @@
       </a:defRPr>
     </a:lvl9pPr>
   </p:defaultTextStyle>
+  <p:extLst>
+    <p:ext uri="{EFAFB233-063F-42B5-8137-9DF3F51BA10A}">
+      <p15:sldGuideLst xmlns:p15="http://schemas.microsoft.com/office/powerpoint/2012/main"/>
+    </p:ext>
+  </p:extLst>
 </p:presentation>
 </file>
 
@@ -255,7 +263,7 @@
           <a:p>
             <a:fld id="{632F230F-C728-A642-B47E-092C816AD408}" type="datetimeFigureOut">
               <a:rPr kumimoji="1" lang="ko-KR" altLang="en-US" smtClean="0"/>
-              <a:t>2024. 8. 10.</a:t>
+              <a:t>2024. 8. 11.</a:t>
             </a:fld>
             <a:endParaRPr kumimoji="1" lang="ko-KR" altLang="en-US"/>
           </a:p>
@@ -453,7 +461,7 @@
           <a:p>
             <a:fld id="{632F230F-C728-A642-B47E-092C816AD408}" type="datetimeFigureOut">
               <a:rPr kumimoji="1" lang="ko-KR" altLang="en-US" smtClean="0"/>
-              <a:t>2024. 8. 10.</a:t>
+              <a:t>2024. 8. 11.</a:t>
             </a:fld>
             <a:endParaRPr kumimoji="1" lang="ko-KR" altLang="en-US"/>
           </a:p>
@@ -661,7 +669,7 @@
           <a:p>
             <a:fld id="{632F230F-C728-A642-B47E-092C816AD408}" type="datetimeFigureOut">
               <a:rPr kumimoji="1" lang="ko-KR" altLang="en-US" smtClean="0"/>
-              <a:t>2024. 8. 10.</a:t>
+              <a:t>2024. 8. 11.</a:t>
             </a:fld>
             <a:endParaRPr kumimoji="1" lang="ko-KR" altLang="en-US"/>
           </a:p>
@@ -859,7 +867,7 @@
           <a:p>
             <a:fld id="{632F230F-C728-A642-B47E-092C816AD408}" type="datetimeFigureOut">
               <a:rPr kumimoji="1" lang="ko-KR" altLang="en-US" smtClean="0"/>
-              <a:t>2024. 8. 10.</a:t>
+              <a:t>2024. 8. 11.</a:t>
             </a:fld>
             <a:endParaRPr kumimoji="1" lang="ko-KR" altLang="en-US"/>
           </a:p>
@@ -1134,7 +1142,7 @@
           <a:p>
             <a:fld id="{632F230F-C728-A642-B47E-092C816AD408}" type="datetimeFigureOut">
               <a:rPr kumimoji="1" lang="ko-KR" altLang="en-US" smtClean="0"/>
-              <a:t>2024. 8. 10.</a:t>
+              <a:t>2024. 8. 11.</a:t>
             </a:fld>
             <a:endParaRPr kumimoji="1" lang="ko-KR" altLang="en-US"/>
           </a:p>
@@ -1399,7 +1407,7 @@
           <a:p>
             <a:fld id="{632F230F-C728-A642-B47E-092C816AD408}" type="datetimeFigureOut">
               <a:rPr kumimoji="1" lang="ko-KR" altLang="en-US" smtClean="0"/>
-              <a:t>2024. 8. 10.</a:t>
+              <a:t>2024. 8. 11.</a:t>
             </a:fld>
             <a:endParaRPr kumimoji="1" lang="ko-KR" altLang="en-US"/>
           </a:p>
@@ -1811,7 +1819,7 @@
           <a:p>
             <a:fld id="{632F230F-C728-A642-B47E-092C816AD408}" type="datetimeFigureOut">
               <a:rPr kumimoji="1" lang="ko-KR" altLang="en-US" smtClean="0"/>
-              <a:t>2024. 8. 10.</a:t>
+              <a:t>2024. 8. 11.</a:t>
             </a:fld>
             <a:endParaRPr kumimoji="1" lang="ko-KR" altLang="en-US"/>
           </a:p>
@@ -1952,7 +1960,7 @@
           <a:p>
             <a:fld id="{632F230F-C728-A642-B47E-092C816AD408}" type="datetimeFigureOut">
               <a:rPr kumimoji="1" lang="ko-KR" altLang="en-US" smtClean="0"/>
-              <a:t>2024. 8. 10.</a:t>
+              <a:t>2024. 8. 11.</a:t>
             </a:fld>
             <a:endParaRPr kumimoji="1" lang="ko-KR" altLang="en-US"/>
           </a:p>
@@ -2065,7 +2073,7 @@
           <a:p>
             <a:fld id="{632F230F-C728-A642-B47E-092C816AD408}" type="datetimeFigureOut">
               <a:rPr kumimoji="1" lang="ko-KR" altLang="en-US" smtClean="0"/>
-              <a:t>2024. 8. 10.</a:t>
+              <a:t>2024. 8. 11.</a:t>
             </a:fld>
             <a:endParaRPr kumimoji="1" lang="ko-KR" altLang="en-US"/>
           </a:p>
@@ -2376,7 +2384,7 @@
           <a:p>
             <a:fld id="{632F230F-C728-A642-B47E-092C816AD408}" type="datetimeFigureOut">
               <a:rPr kumimoji="1" lang="ko-KR" altLang="en-US" smtClean="0"/>
-              <a:t>2024. 8. 10.</a:t>
+              <a:t>2024. 8. 11.</a:t>
             </a:fld>
             <a:endParaRPr kumimoji="1" lang="ko-KR" altLang="en-US"/>
           </a:p>
@@ -2664,7 +2672,7 @@
           <a:p>
             <a:fld id="{632F230F-C728-A642-B47E-092C816AD408}" type="datetimeFigureOut">
               <a:rPr kumimoji="1" lang="ko-KR" altLang="en-US" smtClean="0"/>
-              <a:t>2024. 8. 10.</a:t>
+              <a:t>2024. 8. 11.</a:t>
             </a:fld>
             <a:endParaRPr kumimoji="1" lang="ko-KR" altLang="en-US"/>
           </a:p>
@@ -2905,7 +2913,7 @@
           <a:p>
             <a:fld id="{632F230F-C728-A642-B47E-092C816AD408}" type="datetimeFigureOut">
               <a:rPr kumimoji="1" lang="ko-KR" altLang="en-US" smtClean="0"/>
-              <a:t>2024. 8. 10.</a:t>
+              <a:t>2024. 8. 11.</a:t>
             </a:fld>
             <a:endParaRPr kumimoji="1" lang="ko-KR" altLang="en-US"/>
           </a:p>
@@ -3322,102 +3330,1733 @@
           <a:chExt cx="0" cy="0"/>
         </a:xfrm>
       </p:grpSpPr>
-      <p:sp>
-        <p:nvSpPr>
-          <p:cNvPr id="4" name="직사각형 3">
-            <a:extLst>
-              <a:ext uri="{FF2B5EF4-FFF2-40B4-BE49-F238E27FC236}">
-                <a16:creationId xmlns:a16="http://schemas.microsoft.com/office/drawing/2014/main" id="{A7512D3F-3620-3B92-78A3-E79C6076DDDD}"/>
-              </a:ext>
-            </a:extLst>
-          </p:cNvPr>
-          <p:cNvSpPr/>
+      <p:grpSp>
+        <p:nvGrpSpPr>
+          <p:cNvPr id="23" name="그룹 22">
+            <a:extLst>
+              <a:ext uri="{FF2B5EF4-FFF2-40B4-BE49-F238E27FC236}">
+                <a16:creationId xmlns:a16="http://schemas.microsoft.com/office/drawing/2014/main" id="{B2CFE8EE-1A7A-F884-D8B5-E5F830B54C21}"/>
+              </a:ext>
+            </a:extLst>
+          </p:cNvPr>
+          <p:cNvGrpSpPr/>
           <p:nvPr/>
-        </p:nvSpPr>
+        </p:nvGrpSpPr>
+        <p:grpSpPr>
+          <a:xfrm>
+            <a:off x="489978" y="504395"/>
+            <a:ext cx="681853" cy="1112968"/>
+            <a:chOff x="489978" y="504395"/>
+            <a:chExt cx="681853" cy="1112968"/>
+          </a:xfrm>
+        </p:grpSpPr>
+        <p:pic>
+          <p:nvPicPr>
+            <p:cNvPr id="3" name="그래픽 2">
+              <a:extLst>
+                <a:ext uri="{FF2B5EF4-FFF2-40B4-BE49-F238E27FC236}">
+                  <a16:creationId xmlns:a16="http://schemas.microsoft.com/office/drawing/2014/main" id="{922DAE5E-7F67-FA98-55BB-4FBA618288B0}"/>
+                </a:ext>
+              </a:extLst>
+            </p:cNvPr>
+            <p:cNvPicPr>
+              <a:picLocks noChangeAspect="1"/>
+            </p:cNvPicPr>
+            <p:nvPr/>
+          </p:nvPicPr>
+          <p:blipFill>
+            <a:blip r:embed="rId2">
+              <a:extLst>
+                <a:ext uri="{96DAC541-7B7A-43D3-8B79-37D633B846F1}">
+                  <asvg:svgBlip xmlns:asvg="http://schemas.microsoft.com/office/drawing/2016/SVG/main" r:embed="rId3"/>
+                </a:ext>
+              </a:extLst>
+            </a:blip>
+            <a:stretch>
+              <a:fillRect/>
+            </a:stretch>
+          </p:blipFill>
+          <p:spPr>
+            <a:xfrm>
+              <a:off x="489978" y="504395"/>
+              <a:ext cx="681853" cy="681853"/>
+            </a:xfrm>
+            <a:prstGeom prst="rect">
+              <a:avLst/>
+            </a:prstGeom>
+          </p:spPr>
+        </p:pic>
+        <p:sp>
+          <p:nvSpPr>
+            <p:cNvPr id="10" name="TextBox 9">
+              <a:extLst>
+                <a:ext uri="{FF2B5EF4-FFF2-40B4-BE49-F238E27FC236}">
+                  <a16:creationId xmlns:a16="http://schemas.microsoft.com/office/drawing/2014/main" id="{E61ADA6B-749C-320C-079C-57A61F20BD39}"/>
+                </a:ext>
+              </a:extLst>
+            </p:cNvPr>
+            <p:cNvSpPr txBox="1"/>
+            <p:nvPr/>
+          </p:nvSpPr>
+          <p:spPr>
+            <a:xfrm>
+              <a:off x="531783" y="1248031"/>
+              <a:ext cx="598241" cy="369332"/>
+            </a:xfrm>
+            <a:prstGeom prst="rect">
+              <a:avLst/>
+            </a:prstGeom>
+            <a:noFill/>
+          </p:spPr>
+          <p:txBody>
+            <a:bodyPr wrap="none" rtlCol="0">
+              <a:spAutoFit/>
+            </a:bodyPr>
+            <a:lstStyle/>
+            <a:p>
+              <a:pPr algn="ctr"/>
+              <a:r>
+                <a:rPr kumimoji="1" lang="en-US" altLang="ko-KR" dirty="0"/>
+                <a:t>AKS</a:t>
+              </a:r>
+              <a:endParaRPr kumimoji="1" lang="ko-KR" altLang="en-US" dirty="0"/>
+            </a:p>
+          </p:txBody>
+        </p:sp>
+      </p:grpSp>
+      <p:grpSp>
+        <p:nvGrpSpPr>
+          <p:cNvPr id="24" name="그룹 23">
+            <a:extLst>
+              <a:ext uri="{FF2B5EF4-FFF2-40B4-BE49-F238E27FC236}">
+                <a16:creationId xmlns:a16="http://schemas.microsoft.com/office/drawing/2014/main" id="{0E893818-98D8-82A5-393C-D96FE572E69A}"/>
+              </a:ext>
+            </a:extLst>
+          </p:cNvPr>
+          <p:cNvGrpSpPr/>
+          <p:nvPr/>
+        </p:nvGrpSpPr>
+        <p:grpSpPr>
+          <a:xfrm>
+            <a:off x="1762725" y="504395"/>
+            <a:ext cx="681853" cy="1112968"/>
+            <a:chOff x="1762725" y="504395"/>
+            <a:chExt cx="681853" cy="1112968"/>
+          </a:xfrm>
+        </p:grpSpPr>
+        <p:pic>
+          <p:nvPicPr>
+            <p:cNvPr id="5" name="그래픽 4">
+              <a:extLst>
+                <a:ext uri="{FF2B5EF4-FFF2-40B4-BE49-F238E27FC236}">
+                  <a16:creationId xmlns:a16="http://schemas.microsoft.com/office/drawing/2014/main" id="{3604957C-5763-4180-3E73-9A61ADF4193A}"/>
+                </a:ext>
+              </a:extLst>
+            </p:cNvPr>
+            <p:cNvPicPr>
+              <a:picLocks noChangeAspect="1"/>
+            </p:cNvPicPr>
+            <p:nvPr/>
+          </p:nvPicPr>
+          <p:blipFill>
+            <a:blip r:embed="rId4">
+              <a:extLst>
+                <a:ext uri="{96DAC541-7B7A-43D3-8B79-37D633B846F1}">
+                  <asvg:svgBlip xmlns:asvg="http://schemas.microsoft.com/office/drawing/2016/SVG/main" r:embed="rId5"/>
+                </a:ext>
+              </a:extLst>
+            </a:blip>
+            <a:stretch>
+              <a:fillRect/>
+            </a:stretch>
+          </p:blipFill>
+          <p:spPr>
+            <a:xfrm>
+              <a:off x="1762725" y="504395"/>
+              <a:ext cx="681853" cy="681853"/>
+            </a:xfrm>
+            <a:prstGeom prst="rect">
+              <a:avLst/>
+            </a:prstGeom>
+          </p:spPr>
+        </p:pic>
+        <p:sp>
+          <p:nvSpPr>
+            <p:cNvPr id="11" name="TextBox 10">
+              <a:extLst>
+                <a:ext uri="{FF2B5EF4-FFF2-40B4-BE49-F238E27FC236}">
+                  <a16:creationId xmlns:a16="http://schemas.microsoft.com/office/drawing/2014/main" id="{15ACFD50-51E1-460F-48A2-F8C2A1A1AA4A}"/>
+                </a:ext>
+              </a:extLst>
+            </p:cNvPr>
+            <p:cNvSpPr txBox="1"/>
+            <p:nvPr/>
+          </p:nvSpPr>
+          <p:spPr>
+            <a:xfrm>
+              <a:off x="1832583" y="1248031"/>
+              <a:ext cx="542136" cy="369332"/>
+            </a:xfrm>
+            <a:prstGeom prst="rect">
+              <a:avLst/>
+            </a:prstGeom>
+            <a:noFill/>
+          </p:spPr>
+          <p:txBody>
+            <a:bodyPr wrap="none" rtlCol="0">
+              <a:spAutoFit/>
+            </a:bodyPr>
+            <a:lstStyle/>
+            <a:p>
+              <a:pPr algn="ctr"/>
+              <a:r>
+                <a:rPr kumimoji="1" lang="en-US" altLang="ko-KR" dirty="0"/>
+                <a:t>VM</a:t>
+              </a:r>
+              <a:endParaRPr kumimoji="1" lang="ko-KR" altLang="en-US" dirty="0"/>
+            </a:p>
+          </p:txBody>
+        </p:sp>
+      </p:grpSp>
+      <p:grpSp>
+        <p:nvGrpSpPr>
+          <p:cNvPr id="25" name="그룹 24">
+            <a:extLst>
+              <a:ext uri="{FF2B5EF4-FFF2-40B4-BE49-F238E27FC236}">
+                <a16:creationId xmlns:a16="http://schemas.microsoft.com/office/drawing/2014/main" id="{4987607F-5C4D-65CC-B269-B376AC0ED7AA}"/>
+              </a:ext>
+            </a:extLst>
+          </p:cNvPr>
+          <p:cNvGrpSpPr/>
+          <p:nvPr/>
+        </p:nvGrpSpPr>
+        <p:grpSpPr>
+          <a:xfrm>
+            <a:off x="2845487" y="504395"/>
+            <a:ext cx="792205" cy="1112968"/>
+            <a:chOff x="2845487" y="504395"/>
+            <a:chExt cx="792205" cy="1112968"/>
+          </a:xfrm>
+        </p:grpSpPr>
+        <p:pic>
+          <p:nvPicPr>
+            <p:cNvPr id="7" name="그래픽 6">
+              <a:extLst>
+                <a:ext uri="{FF2B5EF4-FFF2-40B4-BE49-F238E27FC236}">
+                  <a16:creationId xmlns:a16="http://schemas.microsoft.com/office/drawing/2014/main" id="{D0FAABC6-3413-C5A5-1480-6D4CFF0D299A}"/>
+                </a:ext>
+              </a:extLst>
+            </p:cNvPr>
+            <p:cNvPicPr>
+              <a:picLocks noChangeAspect="1"/>
+            </p:cNvPicPr>
+            <p:nvPr/>
+          </p:nvPicPr>
+          <p:blipFill>
+            <a:blip r:embed="rId6">
+              <a:extLst>
+                <a:ext uri="{96DAC541-7B7A-43D3-8B79-37D633B846F1}">
+                  <asvg:svgBlip xmlns:asvg="http://schemas.microsoft.com/office/drawing/2016/SVG/main" r:embed="rId7"/>
+                </a:ext>
+              </a:extLst>
+            </a:blip>
+            <a:stretch>
+              <a:fillRect/>
+            </a:stretch>
+          </p:blipFill>
+          <p:spPr>
+            <a:xfrm>
+              <a:off x="2869771" y="504395"/>
+              <a:ext cx="743636" cy="743636"/>
+            </a:xfrm>
+            <a:prstGeom prst="rect">
+              <a:avLst/>
+            </a:prstGeom>
+          </p:spPr>
+        </p:pic>
+        <p:sp>
+          <p:nvSpPr>
+            <p:cNvPr id="12" name="TextBox 11">
+              <a:extLst>
+                <a:ext uri="{FF2B5EF4-FFF2-40B4-BE49-F238E27FC236}">
+                  <a16:creationId xmlns:a16="http://schemas.microsoft.com/office/drawing/2014/main" id="{44AF7B8E-9947-AA82-40A6-35F000B4381B}"/>
+                </a:ext>
+              </a:extLst>
+            </p:cNvPr>
+            <p:cNvSpPr txBox="1"/>
+            <p:nvPr/>
+          </p:nvSpPr>
+          <p:spPr>
+            <a:xfrm>
+              <a:off x="2845487" y="1248031"/>
+              <a:ext cx="792205" cy="369332"/>
+            </a:xfrm>
+            <a:prstGeom prst="rect">
+              <a:avLst/>
+            </a:prstGeom>
+            <a:noFill/>
+          </p:spPr>
+          <p:txBody>
+            <a:bodyPr wrap="none" rtlCol="0">
+              <a:spAutoFit/>
+            </a:bodyPr>
+            <a:lstStyle/>
+            <a:p>
+              <a:pPr algn="ctr"/>
+              <a:r>
+                <a:rPr kumimoji="1" lang="en-US" altLang="ko-KR" dirty="0"/>
+                <a:t>VMSS</a:t>
+              </a:r>
+              <a:endParaRPr kumimoji="1" lang="ko-KR" altLang="en-US" dirty="0"/>
+            </a:p>
+          </p:txBody>
+        </p:sp>
+      </p:grpSp>
+      <p:grpSp>
+        <p:nvGrpSpPr>
+          <p:cNvPr id="26" name="그룹 25">
+            <a:extLst>
+              <a:ext uri="{FF2B5EF4-FFF2-40B4-BE49-F238E27FC236}">
+                <a16:creationId xmlns:a16="http://schemas.microsoft.com/office/drawing/2014/main" id="{20528DE2-8527-7432-D213-DE17B2F05324}"/>
+              </a:ext>
+            </a:extLst>
+          </p:cNvPr>
+          <p:cNvGrpSpPr/>
+          <p:nvPr/>
+        </p:nvGrpSpPr>
+        <p:grpSpPr>
+          <a:xfrm>
+            <a:off x="4043834" y="442613"/>
+            <a:ext cx="743635" cy="1174750"/>
+            <a:chOff x="4043834" y="442613"/>
+            <a:chExt cx="743635" cy="1174750"/>
+          </a:xfrm>
+        </p:grpSpPr>
+        <p:pic>
+          <p:nvPicPr>
+            <p:cNvPr id="9" name="그래픽 8">
+              <a:extLst>
+                <a:ext uri="{FF2B5EF4-FFF2-40B4-BE49-F238E27FC236}">
+                  <a16:creationId xmlns:a16="http://schemas.microsoft.com/office/drawing/2014/main" id="{EF50270B-D005-9C4F-795E-A501C0C703C7}"/>
+                </a:ext>
+              </a:extLst>
+            </p:cNvPr>
+            <p:cNvPicPr>
+              <a:picLocks noChangeAspect="1"/>
+            </p:cNvPicPr>
+            <p:nvPr/>
+          </p:nvPicPr>
+          <p:blipFill>
+            <a:blip r:embed="rId8">
+              <a:extLst>
+                <a:ext uri="{96DAC541-7B7A-43D3-8B79-37D633B846F1}">
+                  <asvg:svgBlip xmlns:asvg="http://schemas.microsoft.com/office/drawing/2016/SVG/main" r:embed="rId9"/>
+                </a:ext>
+              </a:extLst>
+            </a:blip>
+            <a:stretch>
+              <a:fillRect/>
+            </a:stretch>
+          </p:blipFill>
+          <p:spPr>
+            <a:xfrm>
+              <a:off x="4043834" y="442613"/>
+              <a:ext cx="743635" cy="743635"/>
+            </a:xfrm>
+            <a:prstGeom prst="rect">
+              <a:avLst/>
+            </a:prstGeom>
+          </p:spPr>
+        </p:pic>
+        <p:sp>
+          <p:nvSpPr>
+            <p:cNvPr id="13" name="TextBox 12">
+              <a:extLst>
+                <a:ext uri="{FF2B5EF4-FFF2-40B4-BE49-F238E27FC236}">
+                  <a16:creationId xmlns:a16="http://schemas.microsoft.com/office/drawing/2014/main" id="{47F95FE1-353F-D3B8-9ED6-EE9FB4716029}"/>
+                </a:ext>
+              </a:extLst>
+            </p:cNvPr>
+            <p:cNvSpPr txBox="1"/>
+            <p:nvPr/>
+          </p:nvSpPr>
+          <p:spPr>
+            <a:xfrm>
+              <a:off x="4105341" y="1248031"/>
+              <a:ext cx="620619" cy="369332"/>
+            </a:xfrm>
+            <a:prstGeom prst="rect">
+              <a:avLst/>
+            </a:prstGeom>
+            <a:noFill/>
+          </p:spPr>
+          <p:txBody>
+            <a:bodyPr wrap="none" rtlCol="0">
+              <a:spAutoFit/>
+            </a:bodyPr>
+            <a:lstStyle/>
+            <a:p>
+              <a:pPr algn="ctr"/>
+              <a:r>
+                <a:rPr kumimoji="1" lang="en-US" altLang="ko-KR" dirty="0"/>
+                <a:t>ACR</a:t>
+              </a:r>
+              <a:endParaRPr kumimoji="1" lang="ko-KR" altLang="en-US" dirty="0"/>
+            </a:p>
+          </p:txBody>
+        </p:sp>
+      </p:grpSp>
+      <p:pic>
+        <p:nvPicPr>
+          <p:cNvPr id="17" name="그래픽 16">
+            <a:extLst>
+              <a:ext uri="{FF2B5EF4-FFF2-40B4-BE49-F238E27FC236}">
+                <a16:creationId xmlns:a16="http://schemas.microsoft.com/office/drawing/2014/main" id="{269517B4-0804-7195-CD85-48DF497DC492}"/>
+              </a:ext>
+            </a:extLst>
+          </p:cNvPr>
+          <p:cNvPicPr>
+            <a:picLocks noChangeAspect="1"/>
+          </p:cNvPicPr>
+          <p:nvPr/>
+        </p:nvPicPr>
+        <p:blipFill>
+          <a:blip r:embed="rId10">
+            <a:extLst>
+              <a:ext uri="{96DAC541-7B7A-43D3-8B79-37D633B846F1}">
+                <asvg:svgBlip xmlns:asvg="http://schemas.microsoft.com/office/drawing/2016/SVG/main" r:embed="rId11"/>
+              </a:ext>
+            </a:extLst>
+          </a:blip>
+          <a:stretch>
+            <a:fillRect/>
+          </a:stretch>
+        </p:blipFill>
         <p:spPr>
           <a:xfrm>
-            <a:off x="1643449" y="1260389"/>
-            <a:ext cx="3052119" cy="3917092"/>
+            <a:off x="6211158" y="394044"/>
+            <a:ext cx="792204" cy="792204"/>
           </a:xfrm>
           <a:prstGeom prst="rect">
             <a:avLst/>
           </a:prstGeom>
         </p:spPr>
-        <p:style>
-          <a:lnRef idx="2">
-            <a:schemeClr val="accent1">
-              <a:shade val="15000"/>
-            </a:schemeClr>
-          </a:lnRef>
-          <a:fillRef idx="1">
-            <a:schemeClr val="accent1"/>
-          </a:fillRef>
-          <a:effectRef idx="0">
-            <a:schemeClr val="accent1"/>
-          </a:effectRef>
-          <a:fontRef idx="minor">
-            <a:schemeClr val="lt1"/>
-          </a:fontRef>
-        </p:style>
-        <p:txBody>
-          <a:bodyPr rtlCol="0" anchor="ctr"/>
+      </p:pic>
+      <p:grpSp>
+        <p:nvGrpSpPr>
+          <p:cNvPr id="27" name="그룹 26">
+            <a:extLst>
+              <a:ext uri="{FF2B5EF4-FFF2-40B4-BE49-F238E27FC236}">
+                <a16:creationId xmlns:a16="http://schemas.microsoft.com/office/drawing/2014/main" id="{39B18A43-03F1-8D8D-95FB-3D645614DE9D}"/>
+              </a:ext>
+            </a:extLst>
+          </p:cNvPr>
+          <p:cNvGrpSpPr/>
+          <p:nvPr/>
+        </p:nvGrpSpPr>
+        <p:grpSpPr>
+          <a:xfrm>
+            <a:off x="5212663" y="479681"/>
+            <a:ext cx="731280" cy="1137682"/>
+            <a:chOff x="5212663" y="479681"/>
+            <a:chExt cx="731280" cy="1137682"/>
+          </a:xfrm>
+        </p:grpSpPr>
+        <p:pic>
+          <p:nvPicPr>
+            <p:cNvPr id="15" name="그래픽 14">
+              <a:extLst>
+                <a:ext uri="{FF2B5EF4-FFF2-40B4-BE49-F238E27FC236}">
+                  <a16:creationId xmlns:a16="http://schemas.microsoft.com/office/drawing/2014/main" id="{44AAC2A4-6748-D0F9-F937-BD3A627948CF}"/>
+                </a:ext>
+              </a:extLst>
+            </p:cNvPr>
+            <p:cNvPicPr>
+              <a:picLocks noChangeAspect="1"/>
+            </p:cNvPicPr>
+            <p:nvPr/>
+          </p:nvPicPr>
+          <p:blipFill>
+            <a:blip r:embed="rId12">
+              <a:extLst>
+                <a:ext uri="{96DAC541-7B7A-43D3-8B79-37D633B846F1}">
+                  <asvg:svgBlip xmlns:asvg="http://schemas.microsoft.com/office/drawing/2016/SVG/main" r:embed="rId13"/>
+                </a:ext>
+              </a:extLst>
+            </a:blip>
+            <a:stretch>
+              <a:fillRect/>
+            </a:stretch>
+          </p:blipFill>
+          <p:spPr>
+            <a:xfrm>
+              <a:off x="5212663" y="479681"/>
+              <a:ext cx="731280" cy="731280"/>
+            </a:xfrm>
+            <a:prstGeom prst="rect">
+              <a:avLst/>
+            </a:prstGeom>
+          </p:spPr>
+        </p:pic>
+        <p:sp>
+          <p:nvSpPr>
+            <p:cNvPr id="18" name="TextBox 17">
+              <a:extLst>
+                <a:ext uri="{FF2B5EF4-FFF2-40B4-BE49-F238E27FC236}">
+                  <a16:creationId xmlns:a16="http://schemas.microsoft.com/office/drawing/2014/main" id="{3CA6C240-1C3C-687F-B552-32523BCE9B92}"/>
+                </a:ext>
+              </a:extLst>
+            </p:cNvPr>
+            <p:cNvSpPr txBox="1"/>
+            <p:nvPr/>
+          </p:nvSpPr>
+          <p:spPr>
+            <a:xfrm>
+              <a:off x="5279181" y="1248031"/>
+              <a:ext cx="598242" cy="369332"/>
+            </a:xfrm>
+            <a:prstGeom prst="rect">
+              <a:avLst/>
+            </a:prstGeom>
+            <a:noFill/>
+          </p:spPr>
+          <p:txBody>
+            <a:bodyPr wrap="none" rtlCol="0">
+              <a:spAutoFit/>
+            </a:bodyPr>
+            <a:lstStyle/>
+            <a:p>
+              <a:pPr algn="ctr"/>
+              <a:r>
+                <a:rPr kumimoji="1" lang="en-US" altLang="ko-KR" dirty="0"/>
+                <a:t>SQL</a:t>
+              </a:r>
+              <a:endParaRPr kumimoji="1" lang="ko-KR" altLang="en-US" dirty="0"/>
+            </a:p>
+          </p:txBody>
+        </p:sp>
+      </p:grpSp>
+      <p:sp>
+        <p:nvSpPr>
+          <p:cNvPr id="19" name="TextBox 18">
+            <a:extLst>
+              <a:ext uri="{FF2B5EF4-FFF2-40B4-BE49-F238E27FC236}">
+                <a16:creationId xmlns:a16="http://schemas.microsoft.com/office/drawing/2014/main" id="{D4CC9014-6F8A-58DF-61E2-D1D888DAE202}"/>
+              </a:ext>
+            </a:extLst>
+          </p:cNvPr>
+          <p:cNvSpPr txBox="1"/>
+          <p:nvPr/>
+        </p:nvSpPr>
+        <p:spPr>
+          <a:xfrm>
+            <a:off x="6102956" y="1248031"/>
+            <a:ext cx="1008609" cy="369332"/>
+          </a:xfrm>
+          <a:prstGeom prst="rect">
+            <a:avLst/>
+          </a:prstGeom>
+          <a:noFill/>
+        </p:spPr>
+        <p:txBody>
+          <a:bodyPr wrap="none" rtlCol="0">
+            <a:spAutoFit/>
+          </a:bodyPr>
           <a:lstStyle/>
           <a:p>
             <a:pPr algn="ctr"/>
-            <a:endParaRPr kumimoji="1" lang="ko-KR" altLang="en-US"/>
-          </a:p>
-        </p:txBody>
-      </p:sp>
-      <p:sp>
-        <p:nvSpPr>
-          <p:cNvPr id="5" name="직사각형 4">
-            <a:extLst>
-              <a:ext uri="{FF2B5EF4-FFF2-40B4-BE49-F238E27FC236}">
-                <a16:creationId xmlns:a16="http://schemas.microsoft.com/office/drawing/2014/main" id="{4B4413F3-B124-2A1E-4966-6B5107E2D0AD}"/>
-              </a:ext>
-            </a:extLst>
-          </p:cNvPr>
-          <p:cNvSpPr/>
+            <a:r>
+              <a:rPr kumimoji="1" lang="en-US" altLang="ko-KR" dirty="0"/>
+              <a:t>Cosmos</a:t>
+            </a:r>
+            <a:endParaRPr kumimoji="1" lang="ko-KR" altLang="en-US" dirty="0"/>
+          </a:p>
+        </p:txBody>
+      </p:sp>
+      <p:grpSp>
+        <p:nvGrpSpPr>
+          <p:cNvPr id="29" name="그룹 28">
+            <a:extLst>
+              <a:ext uri="{FF2B5EF4-FFF2-40B4-BE49-F238E27FC236}">
+                <a16:creationId xmlns:a16="http://schemas.microsoft.com/office/drawing/2014/main" id="{941A92F4-FC57-386D-BC49-FD9ADDDB5719}"/>
+              </a:ext>
+            </a:extLst>
+          </p:cNvPr>
+          <p:cNvGrpSpPr/>
           <p:nvPr/>
-        </p:nvSpPr>
+        </p:nvGrpSpPr>
+        <p:grpSpPr>
+          <a:xfrm>
+            <a:off x="7088372" y="504395"/>
+            <a:ext cx="1265091" cy="1112968"/>
+            <a:chOff x="7088372" y="504395"/>
+            <a:chExt cx="1265091" cy="1112968"/>
+          </a:xfrm>
+        </p:grpSpPr>
+        <p:pic>
+          <p:nvPicPr>
+            <p:cNvPr id="22" name="그래픽 21">
+              <a:extLst>
+                <a:ext uri="{FF2B5EF4-FFF2-40B4-BE49-F238E27FC236}">
+                  <a16:creationId xmlns:a16="http://schemas.microsoft.com/office/drawing/2014/main" id="{4940442E-40AD-6F25-090A-FA0F00EE88A4}"/>
+                </a:ext>
+              </a:extLst>
+            </p:cNvPr>
+            <p:cNvPicPr>
+              <a:picLocks noChangeAspect="1"/>
+            </p:cNvPicPr>
+            <p:nvPr/>
+          </p:nvPicPr>
+          <p:blipFill>
+            <a:blip r:embed="rId14">
+              <a:extLst>
+                <a:ext uri="{96DAC541-7B7A-43D3-8B79-37D633B846F1}">
+                  <asvg:svgBlip xmlns:asvg="http://schemas.microsoft.com/office/drawing/2016/SVG/main" r:embed="rId15"/>
+                </a:ext>
+              </a:extLst>
+            </a:blip>
+            <a:stretch>
+              <a:fillRect/>
+            </a:stretch>
+          </p:blipFill>
+          <p:spPr>
+            <a:xfrm>
+              <a:off x="7367632" y="504395"/>
+              <a:ext cx="706566" cy="706566"/>
+            </a:xfrm>
+            <a:prstGeom prst="rect">
+              <a:avLst/>
+            </a:prstGeom>
+          </p:spPr>
+        </p:pic>
+        <p:sp>
+          <p:nvSpPr>
+            <p:cNvPr id="28" name="TextBox 27">
+              <a:extLst>
+                <a:ext uri="{FF2B5EF4-FFF2-40B4-BE49-F238E27FC236}">
+                  <a16:creationId xmlns:a16="http://schemas.microsoft.com/office/drawing/2014/main" id="{A1EFDED7-F5C3-7C76-3D98-BBE911B89EBC}"/>
+                </a:ext>
+              </a:extLst>
+            </p:cNvPr>
+            <p:cNvSpPr txBox="1"/>
+            <p:nvPr/>
+          </p:nvSpPr>
+          <p:spPr>
+            <a:xfrm>
+              <a:off x="7088372" y="1248031"/>
+              <a:ext cx="1265091" cy="369332"/>
+            </a:xfrm>
+            <a:prstGeom prst="rect">
+              <a:avLst/>
+            </a:prstGeom>
+            <a:noFill/>
+          </p:spPr>
+          <p:txBody>
+            <a:bodyPr wrap="none" rtlCol="0">
+              <a:spAutoFit/>
+            </a:bodyPr>
+            <a:lstStyle/>
+            <a:p>
+              <a:pPr algn="ctr"/>
+              <a:r>
+                <a:rPr kumimoji="1" lang="en-US" altLang="ko-KR" dirty="0" err="1"/>
+                <a:t>LogicApps</a:t>
+              </a:r>
+              <a:endParaRPr kumimoji="1" lang="ko-KR" altLang="en-US" dirty="0"/>
+            </a:p>
+          </p:txBody>
+        </p:sp>
+      </p:grpSp>
+      <p:grpSp>
+        <p:nvGrpSpPr>
+          <p:cNvPr id="34" name="그룹 33">
+            <a:extLst>
+              <a:ext uri="{FF2B5EF4-FFF2-40B4-BE49-F238E27FC236}">
+                <a16:creationId xmlns:a16="http://schemas.microsoft.com/office/drawing/2014/main" id="{7BFEEBF0-1AB1-8BA9-01B6-277FD84F3D65}"/>
+              </a:ext>
+            </a:extLst>
+          </p:cNvPr>
+          <p:cNvGrpSpPr/>
+          <p:nvPr/>
+        </p:nvGrpSpPr>
+        <p:grpSpPr>
+          <a:xfrm>
+            <a:off x="8465321" y="429224"/>
+            <a:ext cx="856908" cy="1188139"/>
+            <a:chOff x="8465321" y="429224"/>
+            <a:chExt cx="856908" cy="1188139"/>
+          </a:xfrm>
+        </p:grpSpPr>
+        <p:pic>
+          <p:nvPicPr>
+            <p:cNvPr id="31" name="그래픽 30">
+              <a:extLst>
+                <a:ext uri="{FF2B5EF4-FFF2-40B4-BE49-F238E27FC236}">
+                  <a16:creationId xmlns:a16="http://schemas.microsoft.com/office/drawing/2014/main" id="{526EBE41-38AD-7A8A-6263-64391FEEF6AA}"/>
+                </a:ext>
+              </a:extLst>
+            </p:cNvPr>
+            <p:cNvPicPr>
+              <a:picLocks noChangeAspect="1"/>
+            </p:cNvPicPr>
+            <p:nvPr/>
+          </p:nvPicPr>
+          <p:blipFill>
+            <a:blip r:embed="rId16">
+              <a:extLst>
+                <a:ext uri="{96DAC541-7B7A-43D3-8B79-37D633B846F1}">
+                  <asvg:svgBlip xmlns:asvg="http://schemas.microsoft.com/office/drawing/2016/SVG/main" r:embed="rId17"/>
+                </a:ext>
+              </a:extLst>
+            </a:blip>
+            <a:stretch>
+              <a:fillRect/>
+            </a:stretch>
+          </p:blipFill>
+          <p:spPr>
+            <a:xfrm>
+              <a:off x="8465321" y="429224"/>
+              <a:ext cx="856908" cy="856908"/>
+            </a:xfrm>
+            <a:prstGeom prst="rect">
+              <a:avLst/>
+            </a:prstGeom>
+          </p:spPr>
+        </p:pic>
+        <p:sp>
+          <p:nvSpPr>
+            <p:cNvPr id="32" name="TextBox 31">
+              <a:extLst>
+                <a:ext uri="{FF2B5EF4-FFF2-40B4-BE49-F238E27FC236}">
+                  <a16:creationId xmlns:a16="http://schemas.microsoft.com/office/drawing/2014/main" id="{4FB35B5D-2AEA-9DE8-0ABD-718E136158EF}"/>
+                </a:ext>
+              </a:extLst>
+            </p:cNvPr>
+            <p:cNvSpPr txBox="1"/>
+            <p:nvPr/>
+          </p:nvSpPr>
+          <p:spPr>
+            <a:xfrm>
+              <a:off x="8522520" y="1248031"/>
+              <a:ext cx="742511" cy="369332"/>
+            </a:xfrm>
+            <a:prstGeom prst="rect">
+              <a:avLst/>
+            </a:prstGeom>
+            <a:noFill/>
+          </p:spPr>
+          <p:txBody>
+            <a:bodyPr wrap="none" rtlCol="0">
+              <a:spAutoFit/>
+            </a:bodyPr>
+            <a:lstStyle/>
+            <a:p>
+              <a:pPr algn="ctr"/>
+              <a:r>
+                <a:rPr kumimoji="1" lang="en-US" altLang="ko-KR" dirty="0"/>
+                <a:t>APIM</a:t>
+              </a:r>
+              <a:endParaRPr kumimoji="1" lang="ko-KR" altLang="en-US" dirty="0"/>
+            </a:p>
+          </p:txBody>
+        </p:sp>
+      </p:grpSp>
+      <p:grpSp>
+        <p:nvGrpSpPr>
+          <p:cNvPr id="38" name="그룹 37">
+            <a:extLst>
+              <a:ext uri="{FF2B5EF4-FFF2-40B4-BE49-F238E27FC236}">
+                <a16:creationId xmlns:a16="http://schemas.microsoft.com/office/drawing/2014/main" id="{E5F3BCB6-EC94-00FE-4D04-D26A0F548AAC}"/>
+              </a:ext>
+            </a:extLst>
+          </p:cNvPr>
+          <p:cNvGrpSpPr/>
+          <p:nvPr/>
+        </p:nvGrpSpPr>
+        <p:grpSpPr>
+          <a:xfrm>
+            <a:off x="308100" y="2308481"/>
+            <a:ext cx="1189878" cy="1120519"/>
+            <a:chOff x="308100" y="2308481"/>
+            <a:chExt cx="1189878" cy="1120519"/>
+          </a:xfrm>
+        </p:grpSpPr>
+        <p:pic>
+          <p:nvPicPr>
+            <p:cNvPr id="36" name="그래픽 35">
+              <a:extLst>
+                <a:ext uri="{FF2B5EF4-FFF2-40B4-BE49-F238E27FC236}">
+                  <a16:creationId xmlns:a16="http://schemas.microsoft.com/office/drawing/2014/main" id="{D90FF2CA-94D0-A026-DFAC-C24BC026E60B}"/>
+                </a:ext>
+              </a:extLst>
+            </p:cNvPr>
+            <p:cNvPicPr>
+              <a:picLocks noChangeAspect="1"/>
+            </p:cNvPicPr>
+            <p:nvPr/>
+          </p:nvPicPr>
+          <p:blipFill>
+            <a:blip r:embed="rId18">
+              <a:extLst>
+                <a:ext uri="{96DAC541-7B7A-43D3-8B79-37D633B846F1}">
+                  <asvg:svgBlip xmlns:asvg="http://schemas.microsoft.com/office/drawing/2016/SVG/main" r:embed="rId19"/>
+                </a:ext>
+              </a:extLst>
+            </a:blip>
+            <a:stretch>
+              <a:fillRect/>
+            </a:stretch>
+          </p:blipFill>
+          <p:spPr>
+            <a:xfrm>
+              <a:off x="531783" y="2308481"/>
+              <a:ext cx="718923" cy="718923"/>
+            </a:xfrm>
+            <a:prstGeom prst="rect">
+              <a:avLst/>
+            </a:prstGeom>
+          </p:spPr>
+        </p:pic>
+        <p:sp>
+          <p:nvSpPr>
+            <p:cNvPr id="37" name="TextBox 36">
+              <a:extLst>
+                <a:ext uri="{FF2B5EF4-FFF2-40B4-BE49-F238E27FC236}">
+                  <a16:creationId xmlns:a16="http://schemas.microsoft.com/office/drawing/2014/main" id="{FD9E4C4C-2DCD-0EBE-76B8-6B91B179C3EB}"/>
+                </a:ext>
+              </a:extLst>
+            </p:cNvPr>
+            <p:cNvSpPr txBox="1"/>
+            <p:nvPr/>
+          </p:nvSpPr>
+          <p:spPr>
+            <a:xfrm>
+              <a:off x="308100" y="3059668"/>
+              <a:ext cx="1189878" cy="369332"/>
+            </a:xfrm>
+            <a:prstGeom prst="rect">
+              <a:avLst/>
+            </a:prstGeom>
+            <a:noFill/>
+          </p:spPr>
+          <p:txBody>
+            <a:bodyPr wrap="none" rtlCol="0">
+              <a:spAutoFit/>
+            </a:bodyPr>
+            <a:lstStyle/>
+            <a:p>
+              <a:pPr algn="ctr"/>
+              <a:r>
+                <a:rPr kumimoji="1" lang="en-US" altLang="ko-KR" dirty="0" err="1"/>
+                <a:t>EventGrid</a:t>
+              </a:r>
+              <a:endParaRPr kumimoji="1" lang="ko-KR" altLang="en-US" dirty="0"/>
+            </a:p>
+          </p:txBody>
+        </p:sp>
+      </p:grpSp>
+      <p:grpSp>
+        <p:nvGrpSpPr>
+          <p:cNvPr id="42" name="그룹 41">
+            <a:extLst>
+              <a:ext uri="{FF2B5EF4-FFF2-40B4-BE49-F238E27FC236}">
+                <a16:creationId xmlns:a16="http://schemas.microsoft.com/office/drawing/2014/main" id="{3422F1FE-BF0B-F06C-4501-4FAD8620FAC6}"/>
+              </a:ext>
+            </a:extLst>
+          </p:cNvPr>
+          <p:cNvGrpSpPr/>
+          <p:nvPr/>
+        </p:nvGrpSpPr>
+        <p:grpSpPr>
+          <a:xfrm>
+            <a:off x="1487619" y="2283768"/>
+            <a:ext cx="1292726" cy="1145232"/>
+            <a:chOff x="1487619" y="2283768"/>
+            <a:chExt cx="1292726" cy="1145232"/>
+          </a:xfrm>
+        </p:grpSpPr>
+        <p:pic>
+          <p:nvPicPr>
+            <p:cNvPr id="40" name="그래픽 39">
+              <a:extLst>
+                <a:ext uri="{FF2B5EF4-FFF2-40B4-BE49-F238E27FC236}">
+                  <a16:creationId xmlns:a16="http://schemas.microsoft.com/office/drawing/2014/main" id="{687E4C3D-072F-20A6-39C4-B6D44B7F5A5C}"/>
+                </a:ext>
+              </a:extLst>
+            </p:cNvPr>
+            <p:cNvPicPr>
+              <a:picLocks noChangeAspect="1"/>
+            </p:cNvPicPr>
+            <p:nvPr/>
+          </p:nvPicPr>
+          <p:blipFill>
+            <a:blip r:embed="rId20">
+              <a:extLst>
+                <a:ext uri="{96DAC541-7B7A-43D3-8B79-37D633B846F1}">
+                  <asvg:svgBlip xmlns:asvg="http://schemas.microsoft.com/office/drawing/2016/SVG/main" r:embed="rId21"/>
+                </a:ext>
+              </a:extLst>
+            </a:blip>
+            <a:stretch>
+              <a:fillRect/>
+            </a:stretch>
+          </p:blipFill>
+          <p:spPr>
+            <a:xfrm>
+              <a:off x="1762725" y="2283768"/>
+              <a:ext cx="743636" cy="743636"/>
+            </a:xfrm>
+            <a:prstGeom prst="rect">
+              <a:avLst/>
+            </a:prstGeom>
+          </p:spPr>
+        </p:pic>
+        <p:sp>
+          <p:nvSpPr>
+            <p:cNvPr id="41" name="TextBox 40">
+              <a:extLst>
+                <a:ext uri="{FF2B5EF4-FFF2-40B4-BE49-F238E27FC236}">
+                  <a16:creationId xmlns:a16="http://schemas.microsoft.com/office/drawing/2014/main" id="{4BC184BE-6ABD-DA04-75A6-223EAF92DBF9}"/>
+                </a:ext>
+              </a:extLst>
+            </p:cNvPr>
+            <p:cNvSpPr txBox="1"/>
+            <p:nvPr/>
+          </p:nvSpPr>
+          <p:spPr>
+            <a:xfrm>
+              <a:off x="1487619" y="3059668"/>
+              <a:ext cx="1292726" cy="369332"/>
+            </a:xfrm>
+            <a:prstGeom prst="rect">
+              <a:avLst/>
+            </a:prstGeom>
+            <a:noFill/>
+          </p:spPr>
+          <p:txBody>
+            <a:bodyPr wrap="none" rtlCol="0">
+              <a:spAutoFit/>
+            </a:bodyPr>
+            <a:lstStyle/>
+            <a:p>
+              <a:pPr algn="ctr"/>
+              <a:r>
+                <a:rPr kumimoji="1" lang="en-US" altLang="ko-KR" dirty="0" err="1"/>
+                <a:t>ServiceBus</a:t>
+              </a:r>
+              <a:endParaRPr kumimoji="1" lang="ko-KR" altLang="en-US" dirty="0"/>
+            </a:p>
+          </p:txBody>
+        </p:sp>
+      </p:grpSp>
+      <p:pic>
+        <p:nvPicPr>
+          <p:cNvPr id="44" name="그래픽 43">
+            <a:extLst>
+              <a:ext uri="{FF2B5EF4-FFF2-40B4-BE49-F238E27FC236}">
+                <a16:creationId xmlns:a16="http://schemas.microsoft.com/office/drawing/2014/main" id="{36B6D33B-CEDC-A278-F302-4BD479D5008E}"/>
+              </a:ext>
+            </a:extLst>
+          </p:cNvPr>
+          <p:cNvPicPr>
+            <a:picLocks noChangeAspect="1"/>
+          </p:cNvPicPr>
+          <p:nvPr/>
+        </p:nvPicPr>
+        <p:blipFill>
+          <a:blip r:embed="rId22">
+            <a:extLst>
+              <a:ext uri="{96DAC541-7B7A-43D3-8B79-37D633B846F1}">
+                <asvg:svgBlip xmlns:asvg="http://schemas.microsoft.com/office/drawing/2016/SVG/main" r:embed="rId23"/>
+              </a:ext>
+            </a:extLst>
+          </a:blip>
+          <a:stretch>
+            <a:fillRect/>
+          </a:stretch>
+        </p:blipFill>
         <p:spPr>
           <a:xfrm>
-            <a:off x="5174925" y="1260389"/>
-            <a:ext cx="3052119" cy="3917092"/>
+            <a:off x="3296765" y="2283768"/>
+            <a:ext cx="681853" cy="681853"/>
           </a:xfrm>
           <a:prstGeom prst="rect">
             <a:avLst/>
           </a:prstGeom>
         </p:spPr>
-        <p:style>
-          <a:lnRef idx="2">
-            <a:schemeClr val="accent1">
-              <a:shade val="15000"/>
-            </a:schemeClr>
-          </a:lnRef>
-          <a:fillRef idx="1">
-            <a:schemeClr val="accent1"/>
-          </a:fillRef>
-          <a:effectRef idx="0">
-            <a:schemeClr val="accent1"/>
-          </a:effectRef>
-          <a:fontRef idx="minor">
-            <a:schemeClr val="lt1"/>
-          </a:fontRef>
-        </p:style>
-        <p:txBody>
-          <a:bodyPr rtlCol="0" anchor="ctr"/>
+      </p:pic>
+      <p:sp>
+        <p:nvSpPr>
+          <p:cNvPr id="45" name="TextBox 44">
+            <a:extLst>
+              <a:ext uri="{FF2B5EF4-FFF2-40B4-BE49-F238E27FC236}">
+                <a16:creationId xmlns:a16="http://schemas.microsoft.com/office/drawing/2014/main" id="{070FBC5A-37EF-FC1D-AB6C-23DACE1287CA}"/>
+              </a:ext>
+            </a:extLst>
+          </p:cNvPr>
+          <p:cNvSpPr txBox="1"/>
+          <p:nvPr/>
+        </p:nvSpPr>
+        <p:spPr>
+          <a:xfrm>
+            <a:off x="3019270" y="3059668"/>
+            <a:ext cx="1188275" cy="369332"/>
+          </a:xfrm>
+          <a:prstGeom prst="rect">
+            <a:avLst/>
+          </a:prstGeom>
+          <a:noFill/>
+        </p:spPr>
+        <p:txBody>
+          <a:bodyPr wrap="none" rtlCol="0">
+            <a:spAutoFit/>
+          </a:bodyPr>
           <a:lstStyle/>
           <a:p>
             <a:pPr algn="ctr"/>
-            <a:endParaRPr kumimoji="1" lang="ko-KR" altLang="en-US"/>
-          </a:p>
-        </p:txBody>
-      </p:sp>
+            <a:r>
+              <a:rPr kumimoji="1" lang="en-US" altLang="ko-KR" dirty="0"/>
+              <a:t>EventHub</a:t>
+            </a:r>
+            <a:endParaRPr kumimoji="1" lang="ko-KR" altLang="en-US" dirty="0"/>
+          </a:p>
+        </p:txBody>
+      </p:sp>
+      <p:grpSp>
+        <p:nvGrpSpPr>
+          <p:cNvPr id="55" name="그룹 54">
+            <a:extLst>
+              <a:ext uri="{FF2B5EF4-FFF2-40B4-BE49-F238E27FC236}">
+                <a16:creationId xmlns:a16="http://schemas.microsoft.com/office/drawing/2014/main" id="{C11141FD-D03E-85A1-BB15-B3499964E8A5}"/>
+              </a:ext>
+            </a:extLst>
+          </p:cNvPr>
+          <p:cNvGrpSpPr/>
+          <p:nvPr/>
+        </p:nvGrpSpPr>
+        <p:grpSpPr>
+          <a:xfrm>
+            <a:off x="4391736" y="2234340"/>
+            <a:ext cx="994183" cy="1194660"/>
+            <a:chOff x="4391736" y="2234340"/>
+            <a:chExt cx="994183" cy="1194660"/>
+          </a:xfrm>
+        </p:grpSpPr>
+        <p:pic>
+          <p:nvPicPr>
+            <p:cNvPr id="49" name="그래픽 48">
+              <a:extLst>
+                <a:ext uri="{FF2B5EF4-FFF2-40B4-BE49-F238E27FC236}">
+                  <a16:creationId xmlns:a16="http://schemas.microsoft.com/office/drawing/2014/main" id="{3548CD11-7FBB-4A9D-B0F6-70741E3709BA}"/>
+                </a:ext>
+              </a:extLst>
+            </p:cNvPr>
+            <p:cNvPicPr>
+              <a:picLocks noChangeAspect="1"/>
+            </p:cNvPicPr>
+            <p:nvPr/>
+          </p:nvPicPr>
+          <p:blipFill>
+            <a:blip r:embed="rId24">
+              <a:extLst>
+                <a:ext uri="{96DAC541-7B7A-43D3-8B79-37D633B846F1}">
+                  <asvg:svgBlip xmlns:asvg="http://schemas.microsoft.com/office/drawing/2016/SVG/main" r:embed="rId25"/>
+                </a:ext>
+              </a:extLst>
+            </a:blip>
+            <a:stretch>
+              <a:fillRect/>
+            </a:stretch>
+          </p:blipFill>
+          <p:spPr>
+            <a:xfrm>
+              <a:off x="4498474" y="2234340"/>
+              <a:ext cx="780707" cy="780707"/>
+            </a:xfrm>
+            <a:prstGeom prst="rect">
+              <a:avLst/>
+            </a:prstGeom>
+          </p:spPr>
+        </p:pic>
+        <p:sp>
+          <p:nvSpPr>
+            <p:cNvPr id="50" name="TextBox 49">
+              <a:extLst>
+                <a:ext uri="{FF2B5EF4-FFF2-40B4-BE49-F238E27FC236}">
+                  <a16:creationId xmlns:a16="http://schemas.microsoft.com/office/drawing/2014/main" id="{1C41E637-5CD1-60E5-9EE2-4122A83D21EE}"/>
+                </a:ext>
+              </a:extLst>
+            </p:cNvPr>
+            <p:cNvSpPr txBox="1"/>
+            <p:nvPr/>
+          </p:nvSpPr>
+          <p:spPr>
+            <a:xfrm>
+              <a:off x="4391736" y="3059668"/>
+              <a:ext cx="994183" cy="369332"/>
+            </a:xfrm>
+            <a:prstGeom prst="rect">
+              <a:avLst/>
+            </a:prstGeom>
+            <a:noFill/>
+          </p:spPr>
+          <p:txBody>
+            <a:bodyPr wrap="none" rtlCol="0">
+              <a:spAutoFit/>
+            </a:bodyPr>
+            <a:lstStyle/>
+            <a:p>
+              <a:pPr algn="ctr"/>
+              <a:r>
+                <a:rPr kumimoji="1" lang="en-US" altLang="ko-KR" dirty="0" err="1"/>
+                <a:t>AppGW</a:t>
+              </a:r>
+              <a:endParaRPr kumimoji="1" lang="ko-KR" altLang="en-US" dirty="0"/>
+            </a:p>
+          </p:txBody>
+        </p:sp>
+      </p:grpSp>
+      <p:grpSp>
+        <p:nvGrpSpPr>
+          <p:cNvPr id="54" name="그룹 53">
+            <a:extLst>
+              <a:ext uri="{FF2B5EF4-FFF2-40B4-BE49-F238E27FC236}">
+                <a16:creationId xmlns:a16="http://schemas.microsoft.com/office/drawing/2014/main" id="{F1CCF53E-5615-2465-A213-2096AE3FB3BB}"/>
+              </a:ext>
+            </a:extLst>
+          </p:cNvPr>
+          <p:cNvGrpSpPr/>
+          <p:nvPr/>
+        </p:nvGrpSpPr>
+        <p:grpSpPr>
+          <a:xfrm>
+            <a:off x="5462655" y="2234340"/>
+            <a:ext cx="1266693" cy="1162396"/>
+            <a:chOff x="5462655" y="2234340"/>
+            <a:chExt cx="1266693" cy="1162396"/>
+          </a:xfrm>
+        </p:grpSpPr>
+        <p:pic>
+          <p:nvPicPr>
+            <p:cNvPr id="52" name="그래픽 51">
+              <a:extLst>
+                <a:ext uri="{FF2B5EF4-FFF2-40B4-BE49-F238E27FC236}">
+                  <a16:creationId xmlns:a16="http://schemas.microsoft.com/office/drawing/2014/main" id="{34E72F6A-4C3D-2440-A155-77A3DDC9D6F7}"/>
+                </a:ext>
+              </a:extLst>
+            </p:cNvPr>
+            <p:cNvPicPr>
+              <a:picLocks noChangeAspect="1"/>
+            </p:cNvPicPr>
+            <p:nvPr/>
+          </p:nvPicPr>
+          <p:blipFill>
+            <a:blip r:embed="rId26">
+              <a:extLst>
+                <a:ext uri="{96DAC541-7B7A-43D3-8B79-37D633B846F1}">
+                  <asvg:svgBlip xmlns:asvg="http://schemas.microsoft.com/office/drawing/2016/SVG/main" r:embed="rId27"/>
+                </a:ext>
+              </a:extLst>
+            </a:blip>
+            <a:stretch>
+              <a:fillRect/>
+            </a:stretch>
+          </p:blipFill>
+          <p:spPr>
+            <a:xfrm>
+              <a:off x="5748895" y="2234340"/>
+              <a:ext cx="694209" cy="694209"/>
+            </a:xfrm>
+            <a:prstGeom prst="rect">
+              <a:avLst/>
+            </a:prstGeom>
+          </p:spPr>
+        </p:pic>
+        <p:sp>
+          <p:nvSpPr>
+            <p:cNvPr id="53" name="TextBox 52">
+              <a:extLst>
+                <a:ext uri="{FF2B5EF4-FFF2-40B4-BE49-F238E27FC236}">
+                  <a16:creationId xmlns:a16="http://schemas.microsoft.com/office/drawing/2014/main" id="{78F66D02-EA78-BDD5-60F4-A431262F44BA}"/>
+                </a:ext>
+              </a:extLst>
+            </p:cNvPr>
+            <p:cNvSpPr txBox="1"/>
+            <p:nvPr/>
+          </p:nvSpPr>
+          <p:spPr>
+            <a:xfrm>
+              <a:off x="5462655" y="3027404"/>
+              <a:ext cx="1266693" cy="369332"/>
+            </a:xfrm>
+            <a:prstGeom prst="rect">
+              <a:avLst/>
+            </a:prstGeom>
+            <a:noFill/>
+          </p:spPr>
+          <p:txBody>
+            <a:bodyPr wrap="none" rtlCol="0">
+              <a:spAutoFit/>
+            </a:bodyPr>
+            <a:lstStyle/>
+            <a:p>
+              <a:pPr algn="ctr"/>
+              <a:r>
+                <a:rPr kumimoji="1" lang="en-US" altLang="ko-KR" dirty="0"/>
+                <a:t>Private E.P</a:t>
+              </a:r>
+              <a:endParaRPr kumimoji="1" lang="ko-KR" altLang="en-US" dirty="0"/>
+            </a:p>
+          </p:txBody>
+        </p:sp>
+      </p:grpSp>
+      <p:grpSp>
+        <p:nvGrpSpPr>
+          <p:cNvPr id="59" name="그룹 58">
+            <a:extLst>
+              <a:ext uri="{FF2B5EF4-FFF2-40B4-BE49-F238E27FC236}">
+                <a16:creationId xmlns:a16="http://schemas.microsoft.com/office/drawing/2014/main" id="{CC75DE29-89A6-9F42-CCC0-8E282C58D400}"/>
+              </a:ext>
+            </a:extLst>
+          </p:cNvPr>
+          <p:cNvGrpSpPr/>
+          <p:nvPr/>
+        </p:nvGrpSpPr>
+        <p:grpSpPr>
+          <a:xfrm>
+            <a:off x="7154869" y="2283768"/>
+            <a:ext cx="694209" cy="1187109"/>
+            <a:chOff x="7154869" y="2283768"/>
+            <a:chExt cx="694209" cy="1187109"/>
+          </a:xfrm>
+        </p:grpSpPr>
+        <p:pic>
+          <p:nvPicPr>
+            <p:cNvPr id="57" name="그래픽 56">
+              <a:extLst>
+                <a:ext uri="{FF2B5EF4-FFF2-40B4-BE49-F238E27FC236}">
+                  <a16:creationId xmlns:a16="http://schemas.microsoft.com/office/drawing/2014/main" id="{40963FF3-1418-61E0-B26A-7D4F5570EB55}"/>
+                </a:ext>
+              </a:extLst>
+            </p:cNvPr>
+            <p:cNvPicPr>
+              <a:picLocks noChangeAspect="1"/>
+            </p:cNvPicPr>
+            <p:nvPr/>
+          </p:nvPicPr>
+          <p:blipFill>
+            <a:blip r:embed="rId28">
+              <a:extLst>
+                <a:ext uri="{96DAC541-7B7A-43D3-8B79-37D633B846F1}">
+                  <asvg:svgBlip xmlns:asvg="http://schemas.microsoft.com/office/drawing/2016/SVG/main" r:embed="rId29"/>
+                </a:ext>
+              </a:extLst>
+            </a:blip>
+            <a:stretch>
+              <a:fillRect/>
+            </a:stretch>
+          </p:blipFill>
+          <p:spPr>
+            <a:xfrm>
+              <a:off x="7154869" y="2283768"/>
+              <a:ext cx="694209" cy="694209"/>
+            </a:xfrm>
+            <a:prstGeom prst="rect">
+              <a:avLst/>
+            </a:prstGeom>
+          </p:spPr>
+        </p:pic>
+        <p:sp>
+          <p:nvSpPr>
+            <p:cNvPr id="58" name="TextBox 57">
+              <a:extLst>
+                <a:ext uri="{FF2B5EF4-FFF2-40B4-BE49-F238E27FC236}">
+                  <a16:creationId xmlns:a16="http://schemas.microsoft.com/office/drawing/2014/main" id="{499B32B4-08FF-C9EF-3227-8DE21FCD0C02}"/>
+                </a:ext>
+              </a:extLst>
+            </p:cNvPr>
+            <p:cNvSpPr txBox="1"/>
+            <p:nvPr/>
+          </p:nvSpPr>
+          <p:spPr>
+            <a:xfrm>
+              <a:off x="7311162" y="3101545"/>
+              <a:ext cx="429926" cy="369332"/>
+            </a:xfrm>
+            <a:prstGeom prst="rect">
+              <a:avLst/>
+            </a:prstGeom>
+            <a:noFill/>
+          </p:spPr>
+          <p:txBody>
+            <a:bodyPr wrap="none" rtlCol="0">
+              <a:spAutoFit/>
+            </a:bodyPr>
+            <a:lstStyle/>
+            <a:p>
+              <a:pPr algn="ctr"/>
+              <a:r>
+                <a:rPr kumimoji="1" lang="en-US" altLang="ko-KR" dirty="0"/>
+                <a:t>LB</a:t>
+              </a:r>
+              <a:endParaRPr kumimoji="1" lang="ko-KR" altLang="en-US" dirty="0"/>
+            </a:p>
+          </p:txBody>
+        </p:sp>
+      </p:grpSp>
+      <p:grpSp>
+        <p:nvGrpSpPr>
+          <p:cNvPr id="63" name="그룹 62">
+            <a:extLst>
+              <a:ext uri="{FF2B5EF4-FFF2-40B4-BE49-F238E27FC236}">
+                <a16:creationId xmlns:a16="http://schemas.microsoft.com/office/drawing/2014/main" id="{04DB7538-F92F-6CFA-DD86-54E7345D7249}"/>
+              </a:ext>
+            </a:extLst>
+          </p:cNvPr>
+          <p:cNvGrpSpPr/>
+          <p:nvPr/>
+        </p:nvGrpSpPr>
+        <p:grpSpPr>
+          <a:xfrm>
+            <a:off x="8181550" y="2184913"/>
+            <a:ext cx="1382110" cy="1190372"/>
+            <a:chOff x="8181550" y="2184913"/>
+            <a:chExt cx="1382110" cy="1190372"/>
+          </a:xfrm>
+        </p:grpSpPr>
+        <p:pic>
+          <p:nvPicPr>
+            <p:cNvPr id="61" name="그래픽 60">
+              <a:extLst>
+                <a:ext uri="{FF2B5EF4-FFF2-40B4-BE49-F238E27FC236}">
+                  <a16:creationId xmlns:a16="http://schemas.microsoft.com/office/drawing/2014/main" id="{0FDDCD26-13CC-6FE2-25CA-C2DDC237A799}"/>
+                </a:ext>
+              </a:extLst>
+            </p:cNvPr>
+            <p:cNvPicPr>
+              <a:picLocks noChangeAspect="1"/>
+            </p:cNvPicPr>
+            <p:nvPr/>
+          </p:nvPicPr>
+          <p:blipFill>
+            <a:blip r:embed="rId30">
+              <a:extLst>
+                <a:ext uri="{96DAC541-7B7A-43D3-8B79-37D633B846F1}">
+                  <asvg:svgBlip xmlns:asvg="http://schemas.microsoft.com/office/drawing/2016/SVG/main" r:embed="rId31"/>
+                </a:ext>
+              </a:extLst>
+            </a:blip>
+            <a:stretch>
+              <a:fillRect/>
+            </a:stretch>
+          </p:blipFill>
+          <p:spPr>
+            <a:xfrm>
+              <a:off x="8465321" y="2184913"/>
+              <a:ext cx="743636" cy="743636"/>
+            </a:xfrm>
+            <a:prstGeom prst="rect">
+              <a:avLst/>
+            </a:prstGeom>
+          </p:spPr>
+        </p:pic>
+        <p:sp>
+          <p:nvSpPr>
+            <p:cNvPr id="62" name="TextBox 61">
+              <a:extLst>
+                <a:ext uri="{FF2B5EF4-FFF2-40B4-BE49-F238E27FC236}">
+                  <a16:creationId xmlns:a16="http://schemas.microsoft.com/office/drawing/2014/main" id="{A3909B7A-20E3-B700-0AB3-CFBCF569D1FE}"/>
+                </a:ext>
+              </a:extLst>
+            </p:cNvPr>
+            <p:cNvSpPr txBox="1"/>
+            <p:nvPr/>
+          </p:nvSpPr>
+          <p:spPr>
+            <a:xfrm>
+              <a:off x="8181550" y="3005953"/>
+              <a:ext cx="1382110" cy="369332"/>
+            </a:xfrm>
+            <a:prstGeom prst="rect">
+              <a:avLst/>
+            </a:prstGeom>
+            <a:noFill/>
+          </p:spPr>
+          <p:txBody>
+            <a:bodyPr wrap="none" rtlCol="0">
+              <a:spAutoFit/>
+            </a:bodyPr>
+            <a:lstStyle/>
+            <a:p>
+              <a:pPr algn="ctr"/>
+              <a:r>
+                <a:rPr kumimoji="1" lang="en-US" altLang="ko-KR" dirty="0"/>
+                <a:t>Private Link</a:t>
+              </a:r>
+              <a:endParaRPr kumimoji="1" lang="ko-KR" altLang="en-US" dirty="0"/>
+            </a:p>
+          </p:txBody>
+        </p:sp>
+      </p:grpSp>
+      <p:pic>
+        <p:nvPicPr>
+          <p:cNvPr id="65" name="그래픽 64">
+            <a:extLst>
+              <a:ext uri="{FF2B5EF4-FFF2-40B4-BE49-F238E27FC236}">
+                <a16:creationId xmlns:a16="http://schemas.microsoft.com/office/drawing/2014/main" id="{51B320E1-2F51-CEAF-D945-8C278C25839D}"/>
+              </a:ext>
+            </a:extLst>
+          </p:cNvPr>
+          <p:cNvPicPr>
+            <a:picLocks noChangeAspect="1"/>
+          </p:cNvPicPr>
+          <p:nvPr/>
+        </p:nvPicPr>
+        <p:blipFill>
+          <a:blip r:embed="rId32">
+            <a:extLst>
+              <a:ext uri="{96DAC541-7B7A-43D3-8B79-37D633B846F1}">
+                <asvg:svgBlip xmlns:asvg="http://schemas.microsoft.com/office/drawing/2016/SVG/main" r:embed="rId33"/>
+              </a:ext>
+            </a:extLst>
+          </a:blip>
+          <a:stretch>
+            <a:fillRect/>
+          </a:stretch>
+        </p:blipFill>
+        <p:spPr>
+          <a:xfrm>
+            <a:off x="406969" y="4090592"/>
+            <a:ext cx="723055" cy="723055"/>
+          </a:xfrm>
+          <a:prstGeom prst="rect">
+            <a:avLst/>
+          </a:prstGeom>
+        </p:spPr>
+      </p:pic>
+      <p:sp>
+        <p:nvSpPr>
+          <p:cNvPr id="66" name="TextBox 65">
+            <a:extLst>
+              <a:ext uri="{FF2B5EF4-FFF2-40B4-BE49-F238E27FC236}">
+                <a16:creationId xmlns:a16="http://schemas.microsoft.com/office/drawing/2014/main" id="{B482B161-9EDB-9D64-2609-29D669436408}"/>
+              </a:ext>
+            </a:extLst>
+          </p:cNvPr>
+          <p:cNvSpPr txBox="1"/>
+          <p:nvPr/>
+        </p:nvSpPr>
+        <p:spPr>
+          <a:xfrm>
+            <a:off x="277927" y="4900824"/>
+            <a:ext cx="1000595" cy="369332"/>
+          </a:xfrm>
+          <a:prstGeom prst="rect">
+            <a:avLst/>
+          </a:prstGeom>
+          <a:noFill/>
+        </p:spPr>
+        <p:txBody>
+          <a:bodyPr wrap="none" rtlCol="0">
+            <a:spAutoFit/>
+          </a:bodyPr>
+          <a:lstStyle/>
+          <a:p>
+            <a:pPr algn="ctr"/>
+            <a:r>
+              <a:rPr kumimoji="1" lang="en-US" altLang="ko-KR" dirty="0"/>
+              <a:t>DevOps</a:t>
+            </a:r>
+            <a:endParaRPr kumimoji="1" lang="ko-KR" altLang="en-US" dirty="0"/>
+          </a:p>
+        </p:txBody>
+      </p:sp>
+      <p:grpSp>
+        <p:nvGrpSpPr>
+          <p:cNvPr id="70" name="그룹 69">
+            <a:extLst>
+              <a:ext uri="{FF2B5EF4-FFF2-40B4-BE49-F238E27FC236}">
+                <a16:creationId xmlns:a16="http://schemas.microsoft.com/office/drawing/2014/main" id="{5DE50ECF-8A63-E8EA-AC72-4DD52E14DB26}"/>
+              </a:ext>
+            </a:extLst>
+          </p:cNvPr>
+          <p:cNvGrpSpPr/>
+          <p:nvPr/>
+        </p:nvGrpSpPr>
+        <p:grpSpPr>
+          <a:xfrm>
+            <a:off x="1613552" y="4149380"/>
+            <a:ext cx="1043107" cy="1036861"/>
+            <a:chOff x="1613552" y="4149380"/>
+            <a:chExt cx="1043107" cy="1036861"/>
+          </a:xfrm>
+        </p:grpSpPr>
+        <p:pic>
+          <p:nvPicPr>
+            <p:cNvPr id="68" name="그래픽 67">
+              <a:extLst>
+                <a:ext uri="{FF2B5EF4-FFF2-40B4-BE49-F238E27FC236}">
+                  <a16:creationId xmlns:a16="http://schemas.microsoft.com/office/drawing/2014/main" id="{E18C386A-FBF3-C2C6-62CF-F7AB954942AA}"/>
+                </a:ext>
+              </a:extLst>
+            </p:cNvPr>
+            <p:cNvPicPr>
+              <a:picLocks noChangeAspect="1"/>
+            </p:cNvPicPr>
+            <p:nvPr/>
+          </p:nvPicPr>
+          <p:blipFill>
+            <a:blip r:embed="rId34">
+              <a:extLst>
+                <a:ext uri="{96DAC541-7B7A-43D3-8B79-37D633B846F1}">
+                  <asvg:svgBlip xmlns:asvg="http://schemas.microsoft.com/office/drawing/2016/SVG/main" r:embed="rId35"/>
+                </a:ext>
+              </a:extLst>
+            </a:blip>
+            <a:stretch>
+              <a:fillRect/>
+            </a:stretch>
+          </p:blipFill>
+          <p:spPr>
+            <a:xfrm>
+              <a:off x="1832366" y="4149380"/>
+              <a:ext cx="605478" cy="605478"/>
+            </a:xfrm>
+            <a:prstGeom prst="rect">
+              <a:avLst/>
+            </a:prstGeom>
+          </p:spPr>
+        </p:pic>
+        <p:sp>
+          <p:nvSpPr>
+            <p:cNvPr id="69" name="TextBox 68">
+              <a:extLst>
+                <a:ext uri="{FF2B5EF4-FFF2-40B4-BE49-F238E27FC236}">
+                  <a16:creationId xmlns:a16="http://schemas.microsoft.com/office/drawing/2014/main" id="{0E28045A-BA02-6BB3-2A39-846B53E59B38}"/>
+                </a:ext>
+              </a:extLst>
+            </p:cNvPr>
+            <p:cNvSpPr txBox="1"/>
+            <p:nvPr/>
+          </p:nvSpPr>
+          <p:spPr>
+            <a:xfrm>
+              <a:off x="1613552" y="4816909"/>
+              <a:ext cx="1043107" cy="369332"/>
+            </a:xfrm>
+            <a:prstGeom prst="rect">
+              <a:avLst/>
+            </a:prstGeom>
+            <a:noFill/>
+          </p:spPr>
+          <p:txBody>
+            <a:bodyPr wrap="none" rtlCol="0">
+              <a:spAutoFit/>
+            </a:bodyPr>
+            <a:lstStyle/>
+            <a:p>
+              <a:pPr algn="ctr"/>
+              <a:r>
+                <a:rPr kumimoji="1" lang="en-US" altLang="ko-KR" dirty="0"/>
+                <a:t>AZ Mon</a:t>
+              </a:r>
+              <a:endParaRPr kumimoji="1" lang="ko-KR" altLang="en-US" dirty="0"/>
+            </a:p>
+          </p:txBody>
+        </p:sp>
+      </p:grpSp>
+      <p:grpSp>
+        <p:nvGrpSpPr>
+          <p:cNvPr id="74" name="그룹 73">
+            <a:extLst>
+              <a:ext uri="{FF2B5EF4-FFF2-40B4-BE49-F238E27FC236}">
+                <a16:creationId xmlns:a16="http://schemas.microsoft.com/office/drawing/2014/main" id="{595895AF-FCE0-CCFF-C89D-7F36697F1933}"/>
+              </a:ext>
+            </a:extLst>
+          </p:cNvPr>
+          <p:cNvGrpSpPr/>
+          <p:nvPr/>
+        </p:nvGrpSpPr>
+        <p:grpSpPr>
+          <a:xfrm>
+            <a:off x="3011460" y="4090592"/>
+            <a:ext cx="1316387" cy="1179564"/>
+            <a:chOff x="3011460" y="4090592"/>
+            <a:chExt cx="1316387" cy="1179564"/>
+          </a:xfrm>
+        </p:grpSpPr>
+        <p:pic>
+          <p:nvPicPr>
+            <p:cNvPr id="72" name="그래픽 71">
+              <a:extLst>
+                <a:ext uri="{FF2B5EF4-FFF2-40B4-BE49-F238E27FC236}">
+                  <a16:creationId xmlns:a16="http://schemas.microsoft.com/office/drawing/2014/main" id="{E54DF1BF-3AED-A517-40E3-7FF5F8F33C86}"/>
+                </a:ext>
+              </a:extLst>
+            </p:cNvPr>
+            <p:cNvPicPr>
+              <a:picLocks noChangeAspect="1"/>
+            </p:cNvPicPr>
+            <p:nvPr/>
+          </p:nvPicPr>
+          <p:blipFill>
+            <a:blip r:embed="rId36">
+              <a:extLst>
+                <a:ext uri="{96DAC541-7B7A-43D3-8B79-37D633B846F1}">
+                  <asvg:svgBlip xmlns:asvg="http://schemas.microsoft.com/office/drawing/2016/SVG/main" r:embed="rId37"/>
+                </a:ext>
+              </a:extLst>
+            </a:blip>
+            <a:stretch>
+              <a:fillRect/>
+            </a:stretch>
+          </p:blipFill>
+          <p:spPr>
+            <a:xfrm>
+              <a:off x="3296765" y="4090592"/>
+              <a:ext cx="744142" cy="744142"/>
+            </a:xfrm>
+            <a:prstGeom prst="rect">
+              <a:avLst/>
+            </a:prstGeom>
+          </p:spPr>
+        </p:pic>
+        <p:sp>
+          <p:nvSpPr>
+            <p:cNvPr id="73" name="TextBox 72">
+              <a:extLst>
+                <a:ext uri="{FF2B5EF4-FFF2-40B4-BE49-F238E27FC236}">
+                  <a16:creationId xmlns:a16="http://schemas.microsoft.com/office/drawing/2014/main" id="{44141E1B-6518-440D-DEF2-CC67DEEFB54E}"/>
+                </a:ext>
+              </a:extLst>
+            </p:cNvPr>
+            <p:cNvSpPr txBox="1"/>
+            <p:nvPr/>
+          </p:nvSpPr>
+          <p:spPr>
+            <a:xfrm>
+              <a:off x="3011460" y="4900824"/>
+              <a:ext cx="1316387" cy="369332"/>
+            </a:xfrm>
+            <a:prstGeom prst="rect">
+              <a:avLst/>
+            </a:prstGeom>
+            <a:noFill/>
+          </p:spPr>
+          <p:txBody>
+            <a:bodyPr wrap="none" rtlCol="0">
+              <a:spAutoFit/>
+            </a:bodyPr>
+            <a:lstStyle/>
+            <a:p>
+              <a:pPr algn="ctr"/>
+              <a:r>
+                <a:rPr kumimoji="1" lang="en-US" altLang="ko-KR" dirty="0" err="1"/>
+                <a:t>AppInsight</a:t>
+              </a:r>
+              <a:endParaRPr kumimoji="1" lang="ko-KR" altLang="en-US" dirty="0"/>
+            </a:p>
+          </p:txBody>
+        </p:sp>
+      </p:grpSp>
+      <p:grpSp>
+        <p:nvGrpSpPr>
+          <p:cNvPr id="77" name="그룹 76">
+            <a:extLst>
+              <a:ext uri="{FF2B5EF4-FFF2-40B4-BE49-F238E27FC236}">
+                <a16:creationId xmlns:a16="http://schemas.microsoft.com/office/drawing/2014/main" id="{5D03AEF2-70CC-0BF3-3F5D-6DBF9208F861}"/>
+              </a:ext>
+            </a:extLst>
+          </p:cNvPr>
+          <p:cNvGrpSpPr/>
+          <p:nvPr/>
+        </p:nvGrpSpPr>
+        <p:grpSpPr>
+          <a:xfrm>
+            <a:off x="4385714" y="4080048"/>
+            <a:ext cx="1254639" cy="1190108"/>
+            <a:chOff x="4385714" y="4080048"/>
+            <a:chExt cx="1254639" cy="1190108"/>
+          </a:xfrm>
+        </p:grpSpPr>
+        <p:sp>
+          <p:nvSpPr>
+            <p:cNvPr id="33" name="TextBox 32">
+              <a:extLst>
+                <a:ext uri="{FF2B5EF4-FFF2-40B4-BE49-F238E27FC236}">
+                  <a16:creationId xmlns:a16="http://schemas.microsoft.com/office/drawing/2014/main" id="{3AA4F8A6-52F9-AE83-C490-D794F4662A28}"/>
+                </a:ext>
+              </a:extLst>
+            </p:cNvPr>
+            <p:cNvSpPr txBox="1"/>
+            <p:nvPr/>
+          </p:nvSpPr>
+          <p:spPr>
+            <a:xfrm>
+              <a:off x="4385714" y="4900824"/>
+              <a:ext cx="1254639" cy="369332"/>
+            </a:xfrm>
+            <a:prstGeom prst="rect">
+              <a:avLst/>
+            </a:prstGeom>
+            <a:noFill/>
+          </p:spPr>
+          <p:txBody>
+            <a:bodyPr wrap="none" rtlCol="0">
+              <a:spAutoFit/>
+            </a:bodyPr>
+            <a:lstStyle/>
+            <a:p>
+              <a:pPr algn="ctr"/>
+              <a:r>
+                <a:rPr kumimoji="1" lang="en-US" altLang="ko-KR" dirty="0" err="1"/>
+                <a:t>AZFirewall</a:t>
+              </a:r>
+              <a:endParaRPr kumimoji="1" lang="ko-KR" altLang="en-US" dirty="0"/>
+            </a:p>
+          </p:txBody>
+        </p:sp>
+        <p:pic>
+          <p:nvPicPr>
+            <p:cNvPr id="76" name="그래픽 75">
+              <a:extLst>
+                <a:ext uri="{FF2B5EF4-FFF2-40B4-BE49-F238E27FC236}">
+                  <a16:creationId xmlns:a16="http://schemas.microsoft.com/office/drawing/2014/main" id="{E3B7D965-DC44-A359-E9C7-7A1E90067A53}"/>
+                </a:ext>
+              </a:extLst>
+            </p:cNvPr>
+            <p:cNvPicPr>
+              <a:picLocks noChangeAspect="1"/>
+            </p:cNvPicPr>
+            <p:nvPr/>
+          </p:nvPicPr>
+          <p:blipFill>
+            <a:blip r:embed="rId38">
+              <a:extLst>
+                <a:ext uri="{96DAC541-7B7A-43D3-8B79-37D633B846F1}">
+                  <asvg:svgBlip xmlns:asvg="http://schemas.microsoft.com/office/drawing/2016/SVG/main" r:embed="rId39"/>
+                </a:ext>
+              </a:extLst>
+            </a:blip>
+            <a:stretch>
+              <a:fillRect/>
+            </a:stretch>
+          </p:blipFill>
+          <p:spPr>
+            <a:xfrm>
+              <a:off x="4641777" y="4080048"/>
+              <a:ext cx="744142" cy="744142"/>
+            </a:xfrm>
+            <a:prstGeom prst="rect">
+              <a:avLst/>
+            </a:prstGeom>
+          </p:spPr>
+        </p:pic>
+      </p:grpSp>
     </p:spTree>
     <p:extLst>
       <p:ext uri="{BB962C8B-B14F-4D97-AF65-F5344CB8AC3E}">
-        <p14:creationId xmlns:p14="http://schemas.microsoft.com/office/powerpoint/2010/main" val="1918407086"/>
+        <p14:creationId xmlns:p14="http://schemas.microsoft.com/office/powerpoint/2010/main" val="1195391499"/>
       </p:ext>
     </p:extLst>
   </p:cSld>
@@ -3444,73 +5083,213 @@
           <a:chExt cx="0" cy="0"/>
         </a:xfrm>
       </p:grpSpPr>
-      <p:pic>
-        <p:nvPicPr>
-          <p:cNvPr id="1026" name="Picture 2" descr="Diagram that shows a hub-spoke virtual network topology in Azure with spoke networks connected through the hub or directly.">
-            <a:extLst>
-              <a:ext uri="{FF2B5EF4-FFF2-40B4-BE49-F238E27FC236}">
-                <a16:creationId xmlns:a16="http://schemas.microsoft.com/office/drawing/2014/main" id="{8385BE04-8301-B9A1-E103-811B8E5BE7C2}"/>
-              </a:ext>
-            </a:extLst>
-          </p:cNvPr>
-          <p:cNvPicPr>
-            <a:picLocks noChangeAspect="1" noChangeArrowheads="1"/>
-          </p:cNvPicPr>
+      <p:grpSp>
+        <p:nvGrpSpPr>
+          <p:cNvPr id="6" name="그룹 5">
+            <a:extLst>
+              <a:ext uri="{FF2B5EF4-FFF2-40B4-BE49-F238E27FC236}">
+                <a16:creationId xmlns:a16="http://schemas.microsoft.com/office/drawing/2014/main" id="{8D3FA646-70AF-B3F7-6BDD-736A99A3B09A}"/>
+              </a:ext>
+            </a:extLst>
+          </p:cNvPr>
+          <p:cNvGrpSpPr/>
           <p:nvPr/>
-        </p:nvPicPr>
-        <p:blipFill>
-          <a:blip r:embed="rId2">
-            <a:extLst>
-              <a:ext uri="{28A0092B-C50C-407E-A947-70E740481C1C}">
-                <a14:useLocalDpi xmlns:a14="http://schemas.microsoft.com/office/drawing/2010/main" val="0"/>
-              </a:ext>
-            </a:extLst>
-          </a:blip>
-          <a:srcRect/>
-          <a:stretch>
-            <a:fillRect/>
-          </a:stretch>
-        </p:blipFill>
-        <p:spPr bwMode="auto">
-          <a:xfrm>
-            <a:off x="600075" y="0"/>
-            <a:ext cx="10990263" cy="6858000"/>
+        </p:nvGrpSpPr>
+        <p:grpSpPr>
+          <a:xfrm>
+            <a:off x="543697" y="92531"/>
+            <a:ext cx="11071654" cy="6357696"/>
+            <a:chOff x="543697" y="92531"/>
+            <a:chExt cx="11071654" cy="6357696"/>
+          </a:xfrm>
+        </p:grpSpPr>
+        <p:sp>
+          <p:nvSpPr>
+            <p:cNvPr id="5" name="직사각형 4">
+              <a:extLst>
+                <a:ext uri="{FF2B5EF4-FFF2-40B4-BE49-F238E27FC236}">
+                  <a16:creationId xmlns:a16="http://schemas.microsoft.com/office/drawing/2014/main" id="{B5583BCD-21E0-DC2B-FD11-3E522AA671A2}"/>
+                </a:ext>
+              </a:extLst>
+            </p:cNvPr>
+            <p:cNvSpPr/>
+            <p:nvPr/>
+          </p:nvSpPr>
+          <p:spPr>
+            <a:xfrm>
+              <a:off x="543697" y="605481"/>
+              <a:ext cx="11071654" cy="5844746"/>
+            </a:xfrm>
+            <a:prstGeom prst="rect">
+              <a:avLst/>
+            </a:prstGeom>
+            <a:noFill/>
+            <a:ln w="9525">
+              <a:solidFill>
+                <a:schemeClr val="tx2">
+                  <a:lumMod val="50000"/>
+                  <a:lumOff val="50000"/>
+                </a:schemeClr>
+              </a:solidFill>
+            </a:ln>
+          </p:spPr>
+          <p:style>
+            <a:lnRef idx="2">
+              <a:schemeClr val="accent1">
+                <a:shade val="15000"/>
+              </a:schemeClr>
+            </a:lnRef>
+            <a:fillRef idx="1">
+              <a:schemeClr val="accent1"/>
+            </a:fillRef>
+            <a:effectRef idx="0">
+              <a:schemeClr val="accent1"/>
+            </a:effectRef>
+            <a:fontRef idx="minor">
+              <a:schemeClr val="lt1"/>
+            </a:fontRef>
+          </p:style>
+          <p:txBody>
+            <a:bodyPr rtlCol="0" anchor="ctr"/>
+            <a:lstStyle/>
+            <a:p>
+              <a:pPr algn="ctr"/>
+              <a:endParaRPr kumimoji="1" lang="ko-KR" altLang="en-US"/>
+            </a:p>
+          </p:txBody>
+        </p:sp>
+        <p:pic>
+          <p:nvPicPr>
+            <p:cNvPr id="3" name="그래픽 2">
+              <a:extLst>
+                <a:ext uri="{FF2B5EF4-FFF2-40B4-BE49-F238E27FC236}">
+                  <a16:creationId xmlns:a16="http://schemas.microsoft.com/office/drawing/2014/main" id="{BF2B3262-877B-EAD3-FF9B-22876C36BF18}"/>
+                </a:ext>
+              </a:extLst>
+            </p:cNvPr>
+            <p:cNvPicPr>
+              <a:picLocks noChangeAspect="1"/>
+            </p:cNvPicPr>
+            <p:nvPr/>
+          </p:nvPicPr>
+          <p:blipFill>
+            <a:blip r:embed="rId2">
+              <a:extLst>
+                <a:ext uri="{96DAC541-7B7A-43D3-8B79-37D633B846F1}">
+                  <asvg:svgBlip xmlns:asvg="http://schemas.microsoft.com/office/drawing/2016/SVG/main" r:embed="rId3"/>
+                </a:ext>
+              </a:extLst>
+            </a:blip>
+            <a:stretch>
+              <a:fillRect/>
+            </a:stretch>
+          </p:blipFill>
+          <p:spPr>
+            <a:xfrm>
+              <a:off x="543697" y="92531"/>
+              <a:ext cx="601931" cy="601931"/>
+            </a:xfrm>
+            <a:prstGeom prst="rect">
+              <a:avLst/>
+            </a:prstGeom>
+          </p:spPr>
+        </p:pic>
+        <p:sp>
+          <p:nvSpPr>
+            <p:cNvPr id="4" name="TextBox 3">
+              <a:extLst>
+                <a:ext uri="{FF2B5EF4-FFF2-40B4-BE49-F238E27FC236}">
+                  <a16:creationId xmlns:a16="http://schemas.microsoft.com/office/drawing/2014/main" id="{A90DF41A-E81F-EF4C-632F-B8FFB9550C68}"/>
+                </a:ext>
+              </a:extLst>
+            </p:cNvPr>
+            <p:cNvSpPr txBox="1"/>
+            <p:nvPr/>
+          </p:nvSpPr>
+          <p:spPr>
+            <a:xfrm>
+              <a:off x="1145628" y="223107"/>
+              <a:ext cx="710451" cy="369332"/>
+            </a:xfrm>
+            <a:prstGeom prst="rect">
+              <a:avLst/>
+            </a:prstGeom>
+            <a:noFill/>
+          </p:spPr>
+          <p:txBody>
+            <a:bodyPr wrap="none" rtlCol="0">
+              <a:spAutoFit/>
+            </a:bodyPr>
+            <a:lstStyle/>
+            <a:p>
+              <a:r>
+                <a:rPr kumimoji="1" lang="en-US" altLang="ko-KR" dirty="0" err="1"/>
+                <a:t>VNet</a:t>
+              </a:r>
+              <a:endParaRPr kumimoji="1" lang="ko-KR" altLang="en-US" dirty="0"/>
+            </a:p>
+          </p:txBody>
+        </p:sp>
+      </p:grpSp>
+    </p:spTree>
+    <p:extLst>
+      <p:ext uri="{BB962C8B-B14F-4D97-AF65-F5344CB8AC3E}">
+        <p14:creationId xmlns:p14="http://schemas.microsoft.com/office/powerpoint/2010/main" val="2762837470"/>
+      </p:ext>
+    </p:extLst>
+  </p:cSld>
+  <p:clrMapOvr>
+    <a:masterClrMapping/>
+  </p:clrMapOvr>
+</p:sld>
+</file>
+
+<file path=ppt/slides/slide3.xml><?xml version="1.0" encoding="utf-8"?>
+<p:sld xmlns:a="http://schemas.openxmlformats.org/drawingml/2006/main" xmlns:r="http://schemas.openxmlformats.org/officeDocument/2006/relationships" xmlns:p="http://schemas.openxmlformats.org/presentationml/2006/main">
+  <p:cSld>
+    <p:spTree>
+      <p:nvGrpSpPr>
+        <p:cNvPr id="1" name=""/>
+        <p:cNvGrpSpPr/>
+        <p:nvPr/>
+      </p:nvGrpSpPr>
+      <p:grpSpPr>
+        <a:xfrm>
+          <a:off x="0" y="0"/>
+          <a:ext cx="0" cy="0"/>
+          <a:chOff x="0" y="0"/>
+          <a:chExt cx="0" cy="0"/>
+        </a:xfrm>
+      </p:grpSpPr>
+      <p:sp>
+        <p:nvSpPr>
+          <p:cNvPr id="5" name="직사각형 4">
+            <a:extLst>
+              <a:ext uri="{FF2B5EF4-FFF2-40B4-BE49-F238E27FC236}">
+                <a16:creationId xmlns:a16="http://schemas.microsoft.com/office/drawing/2014/main" id="{B5583BCD-21E0-DC2B-FD11-3E522AA671A2}"/>
+              </a:ext>
+            </a:extLst>
+          </p:cNvPr>
+          <p:cNvSpPr/>
+          <p:nvPr/>
+        </p:nvSpPr>
+        <p:spPr>
+          <a:xfrm>
+            <a:off x="543697" y="605481"/>
+            <a:ext cx="11071654" cy="5844746"/>
           </a:xfrm>
           <a:prstGeom prst="rect">
             <a:avLst/>
           </a:prstGeom>
           <a:noFill/>
-          <a:extLst>
-            <a:ext uri="{909E8E84-426E-40DD-AFC4-6F175D3DCCD1}">
-              <a14:hiddenFill xmlns:a14="http://schemas.microsoft.com/office/drawing/2010/main">
-                <a:solidFill>
-                  <a:srgbClr val="FFFFFF"/>
-                </a:solidFill>
-              </a14:hiddenFill>
-            </a:ext>
-          </a:extLst>
-        </p:spPr>
-      </p:pic>
-      <p:sp>
-        <p:nvSpPr>
-          <p:cNvPr id="2" name="직사각형 1">
-            <a:extLst>
-              <a:ext uri="{FF2B5EF4-FFF2-40B4-BE49-F238E27FC236}">
-                <a16:creationId xmlns:a16="http://schemas.microsoft.com/office/drawing/2014/main" id="{92A8153A-3FF8-8464-C477-16A5B2A875C2}"/>
-              </a:ext>
-            </a:extLst>
-          </p:cNvPr>
-          <p:cNvSpPr/>
-          <p:nvPr/>
-        </p:nvSpPr>
-        <p:spPr>
-          <a:xfrm>
-            <a:off x="8377881" y="1297459"/>
-            <a:ext cx="617838" cy="667265"/>
-          </a:xfrm>
-          <a:prstGeom prst="rect">
-            <a:avLst/>
-          </a:prstGeom>
+          <a:ln w="9525">
+            <a:solidFill>
+              <a:schemeClr val="tx2">
+                <a:lumMod val="50000"/>
+                <a:lumOff val="50000"/>
+              </a:schemeClr>
+            </a:solidFill>
+          </a:ln>
         </p:spPr>
         <p:style>
           <a:lnRef idx="2">
@@ -3537,10 +5316,2272 @@
           </a:p>
         </p:txBody>
       </p:sp>
+      <p:sp>
+        <p:nvSpPr>
+          <p:cNvPr id="4" name="TextBox 3">
+            <a:extLst>
+              <a:ext uri="{FF2B5EF4-FFF2-40B4-BE49-F238E27FC236}">
+                <a16:creationId xmlns:a16="http://schemas.microsoft.com/office/drawing/2014/main" id="{A90DF41A-E81F-EF4C-632F-B8FFB9550C68}"/>
+              </a:ext>
+            </a:extLst>
+          </p:cNvPr>
+          <p:cNvSpPr txBox="1"/>
+          <p:nvPr/>
+        </p:nvSpPr>
+        <p:spPr>
+          <a:xfrm>
+            <a:off x="1145628" y="223107"/>
+            <a:ext cx="917239" cy="369332"/>
+          </a:xfrm>
+          <a:prstGeom prst="rect">
+            <a:avLst/>
+          </a:prstGeom>
+          <a:noFill/>
+        </p:spPr>
+        <p:txBody>
+          <a:bodyPr wrap="none" rtlCol="0">
+            <a:spAutoFit/>
+          </a:bodyPr>
+          <a:lstStyle/>
+          <a:p>
+            <a:r>
+              <a:rPr kumimoji="1" lang="en-US" altLang="ko-KR" dirty="0"/>
+              <a:t>Subnet</a:t>
+            </a:r>
+            <a:endParaRPr kumimoji="1" lang="ko-KR" altLang="en-US" dirty="0"/>
+          </a:p>
+        </p:txBody>
+      </p:sp>
+      <p:pic>
+        <p:nvPicPr>
+          <p:cNvPr id="7" name="그래픽 6">
+            <a:extLst>
+              <a:ext uri="{FF2B5EF4-FFF2-40B4-BE49-F238E27FC236}">
+                <a16:creationId xmlns:a16="http://schemas.microsoft.com/office/drawing/2014/main" id="{AD1A5EE5-C608-59B5-3A6F-0F204781E49C}"/>
+              </a:ext>
+            </a:extLst>
+          </p:cNvPr>
+          <p:cNvPicPr>
+            <a:picLocks noChangeAspect="1"/>
+          </p:cNvPicPr>
+          <p:nvPr/>
+        </p:nvPicPr>
+        <p:blipFill>
+          <a:blip r:embed="rId2">
+            <a:extLst>
+              <a:ext uri="{96DAC541-7B7A-43D3-8B79-37D633B846F1}">
+                <asvg:svgBlip xmlns:asvg="http://schemas.microsoft.com/office/drawing/2016/SVG/main" r:embed="rId3"/>
+              </a:ext>
+            </a:extLst>
+          </a:blip>
+          <a:stretch>
+            <a:fillRect/>
+          </a:stretch>
+        </p:blipFill>
+        <p:spPr>
+          <a:xfrm>
+            <a:off x="525522" y="106807"/>
+            <a:ext cx="601931" cy="601931"/>
+          </a:xfrm>
+          <a:prstGeom prst="rect">
+            <a:avLst/>
+          </a:prstGeom>
+        </p:spPr>
+      </p:pic>
     </p:spTree>
     <p:extLst>
       <p:ext uri="{BB962C8B-B14F-4D97-AF65-F5344CB8AC3E}">
-        <p14:creationId xmlns:p14="http://schemas.microsoft.com/office/powerpoint/2010/main" val="4101669683"/>
+        <p14:creationId xmlns:p14="http://schemas.microsoft.com/office/powerpoint/2010/main" val="3912614860"/>
+      </p:ext>
+    </p:extLst>
+  </p:cSld>
+  <p:clrMapOvr>
+    <a:masterClrMapping/>
+  </p:clrMapOvr>
+</p:sld>
+</file>
+
+<file path=ppt/slides/slide4.xml><?xml version="1.0" encoding="utf-8"?>
+<p:sld xmlns:a="http://schemas.openxmlformats.org/drawingml/2006/main" xmlns:r="http://schemas.openxmlformats.org/officeDocument/2006/relationships" xmlns:p="http://schemas.openxmlformats.org/presentationml/2006/main">
+  <p:cSld>
+    <p:spTree>
+      <p:nvGrpSpPr>
+        <p:cNvPr id="1" name=""/>
+        <p:cNvGrpSpPr/>
+        <p:nvPr/>
+      </p:nvGrpSpPr>
+      <p:grpSpPr>
+        <a:xfrm>
+          <a:off x="0" y="0"/>
+          <a:ext cx="0" cy="0"/>
+          <a:chOff x="0" y="0"/>
+          <a:chExt cx="0" cy="0"/>
+        </a:xfrm>
+      </p:grpSpPr>
+      <p:grpSp>
+        <p:nvGrpSpPr>
+          <p:cNvPr id="2" name="그룹 1">
+            <a:extLst>
+              <a:ext uri="{FF2B5EF4-FFF2-40B4-BE49-F238E27FC236}">
+                <a16:creationId xmlns:a16="http://schemas.microsoft.com/office/drawing/2014/main" id="{E93A8D08-CE89-55B3-8834-187D9C239C62}"/>
+              </a:ext>
+            </a:extLst>
+          </p:cNvPr>
+          <p:cNvGrpSpPr/>
+          <p:nvPr/>
+        </p:nvGrpSpPr>
+        <p:grpSpPr>
+          <a:xfrm>
+            <a:off x="543697" y="92531"/>
+            <a:ext cx="11071654" cy="6357696"/>
+            <a:chOff x="543697" y="92531"/>
+            <a:chExt cx="11071654" cy="6357696"/>
+          </a:xfrm>
+        </p:grpSpPr>
+        <p:sp>
+          <p:nvSpPr>
+            <p:cNvPr id="3" name="직사각형 2">
+              <a:extLst>
+                <a:ext uri="{FF2B5EF4-FFF2-40B4-BE49-F238E27FC236}">
+                  <a16:creationId xmlns:a16="http://schemas.microsoft.com/office/drawing/2014/main" id="{3EB061DA-9B03-CB66-DB73-AD83B59E64C3}"/>
+                </a:ext>
+              </a:extLst>
+            </p:cNvPr>
+            <p:cNvSpPr/>
+            <p:nvPr/>
+          </p:nvSpPr>
+          <p:spPr>
+            <a:xfrm>
+              <a:off x="543697" y="605481"/>
+              <a:ext cx="11071654" cy="5844746"/>
+            </a:xfrm>
+            <a:prstGeom prst="rect">
+              <a:avLst/>
+            </a:prstGeom>
+            <a:noFill/>
+            <a:ln w="9525">
+              <a:solidFill>
+                <a:schemeClr val="tx2">
+                  <a:lumMod val="50000"/>
+                  <a:lumOff val="50000"/>
+                </a:schemeClr>
+              </a:solidFill>
+            </a:ln>
+          </p:spPr>
+          <p:style>
+            <a:lnRef idx="2">
+              <a:schemeClr val="accent1">
+                <a:shade val="15000"/>
+              </a:schemeClr>
+            </a:lnRef>
+            <a:fillRef idx="1">
+              <a:schemeClr val="accent1"/>
+            </a:fillRef>
+            <a:effectRef idx="0">
+              <a:schemeClr val="accent1"/>
+            </a:effectRef>
+            <a:fontRef idx="minor">
+              <a:schemeClr val="lt1"/>
+            </a:fontRef>
+          </p:style>
+          <p:txBody>
+            <a:bodyPr rtlCol="0" anchor="ctr"/>
+            <a:lstStyle/>
+            <a:p>
+              <a:pPr algn="ctr"/>
+              <a:endParaRPr kumimoji="1" lang="ko-KR" altLang="en-US"/>
+            </a:p>
+          </p:txBody>
+        </p:sp>
+        <p:pic>
+          <p:nvPicPr>
+            <p:cNvPr id="4" name="그래픽 3">
+              <a:extLst>
+                <a:ext uri="{FF2B5EF4-FFF2-40B4-BE49-F238E27FC236}">
+                  <a16:creationId xmlns:a16="http://schemas.microsoft.com/office/drawing/2014/main" id="{504CAC83-DCC7-2368-63A3-2A06BED6EB7A}"/>
+                </a:ext>
+              </a:extLst>
+            </p:cNvPr>
+            <p:cNvPicPr>
+              <a:picLocks noChangeAspect="1"/>
+            </p:cNvPicPr>
+            <p:nvPr/>
+          </p:nvPicPr>
+          <p:blipFill>
+            <a:blip r:embed="rId2">
+              <a:extLst>
+                <a:ext uri="{96DAC541-7B7A-43D3-8B79-37D633B846F1}">
+                  <asvg:svgBlip xmlns:asvg="http://schemas.microsoft.com/office/drawing/2016/SVG/main" r:embed="rId3"/>
+                </a:ext>
+              </a:extLst>
+            </a:blip>
+            <a:stretch>
+              <a:fillRect/>
+            </a:stretch>
+          </p:blipFill>
+          <p:spPr>
+            <a:xfrm>
+              <a:off x="543697" y="92531"/>
+              <a:ext cx="601931" cy="601931"/>
+            </a:xfrm>
+            <a:prstGeom prst="rect">
+              <a:avLst/>
+            </a:prstGeom>
+          </p:spPr>
+        </p:pic>
+        <p:sp>
+          <p:nvSpPr>
+            <p:cNvPr id="5" name="TextBox 4">
+              <a:extLst>
+                <a:ext uri="{FF2B5EF4-FFF2-40B4-BE49-F238E27FC236}">
+                  <a16:creationId xmlns:a16="http://schemas.microsoft.com/office/drawing/2014/main" id="{4F20BE3A-16B3-8303-8AA3-F97007E0F64D}"/>
+                </a:ext>
+              </a:extLst>
+            </p:cNvPr>
+            <p:cNvSpPr txBox="1"/>
+            <p:nvPr/>
+          </p:nvSpPr>
+          <p:spPr>
+            <a:xfrm>
+              <a:off x="1145628" y="223107"/>
+              <a:ext cx="710451" cy="369332"/>
+            </a:xfrm>
+            <a:prstGeom prst="rect">
+              <a:avLst/>
+            </a:prstGeom>
+            <a:noFill/>
+          </p:spPr>
+          <p:txBody>
+            <a:bodyPr wrap="none" rtlCol="0">
+              <a:spAutoFit/>
+            </a:bodyPr>
+            <a:lstStyle/>
+            <a:p>
+              <a:r>
+                <a:rPr kumimoji="1" lang="en-US" altLang="ko-KR" dirty="0" err="1"/>
+                <a:t>VNet</a:t>
+              </a:r>
+              <a:endParaRPr kumimoji="1" lang="ko-KR" altLang="en-US" dirty="0"/>
+            </a:p>
+          </p:txBody>
+        </p:sp>
+      </p:grpSp>
+      <p:sp>
+        <p:nvSpPr>
+          <p:cNvPr id="6" name="직사각형 5">
+            <a:extLst>
+              <a:ext uri="{FF2B5EF4-FFF2-40B4-BE49-F238E27FC236}">
+                <a16:creationId xmlns:a16="http://schemas.microsoft.com/office/drawing/2014/main" id="{E3CF3E3A-5CD3-5FA9-0C03-86AFB328E52F}"/>
+              </a:ext>
+            </a:extLst>
+          </p:cNvPr>
+          <p:cNvSpPr/>
+          <p:nvPr/>
+        </p:nvSpPr>
+        <p:spPr>
+          <a:xfrm>
+            <a:off x="899638" y="1909366"/>
+            <a:ext cx="3199397" cy="1737191"/>
+          </a:xfrm>
+          <a:prstGeom prst="rect">
+            <a:avLst/>
+          </a:prstGeom>
+          <a:noFill/>
+          <a:ln w="9525">
+            <a:solidFill>
+              <a:schemeClr val="tx2">
+                <a:lumMod val="50000"/>
+                <a:lumOff val="50000"/>
+              </a:schemeClr>
+            </a:solidFill>
+          </a:ln>
+        </p:spPr>
+        <p:style>
+          <a:lnRef idx="2">
+            <a:schemeClr val="accent1">
+              <a:shade val="15000"/>
+            </a:schemeClr>
+          </a:lnRef>
+          <a:fillRef idx="1">
+            <a:schemeClr val="accent1"/>
+          </a:fillRef>
+          <a:effectRef idx="0">
+            <a:schemeClr val="accent1"/>
+          </a:effectRef>
+          <a:fontRef idx="minor">
+            <a:schemeClr val="lt1"/>
+          </a:fontRef>
+        </p:style>
+        <p:txBody>
+          <a:bodyPr rtlCol="0" anchor="ctr"/>
+          <a:lstStyle/>
+          <a:p>
+            <a:pPr algn="ctr"/>
+            <a:endParaRPr kumimoji="1" lang="ko-KR" altLang="en-US"/>
+          </a:p>
+        </p:txBody>
+      </p:sp>
+      <p:sp>
+        <p:nvSpPr>
+          <p:cNvPr id="7" name="TextBox 6">
+            <a:extLst>
+              <a:ext uri="{FF2B5EF4-FFF2-40B4-BE49-F238E27FC236}">
+                <a16:creationId xmlns:a16="http://schemas.microsoft.com/office/drawing/2014/main" id="{5C2809D9-09DF-5B37-1172-42BEC6F66013}"/>
+              </a:ext>
+            </a:extLst>
+          </p:cNvPr>
+          <p:cNvSpPr txBox="1"/>
+          <p:nvPr/>
+        </p:nvSpPr>
+        <p:spPr>
+          <a:xfrm>
+            <a:off x="1501569" y="1526992"/>
+            <a:ext cx="1622560" cy="369332"/>
+          </a:xfrm>
+          <a:prstGeom prst="rect">
+            <a:avLst/>
+          </a:prstGeom>
+          <a:noFill/>
+        </p:spPr>
+        <p:txBody>
+          <a:bodyPr wrap="none" rtlCol="0">
+            <a:spAutoFit/>
+          </a:bodyPr>
+          <a:lstStyle/>
+          <a:p>
+            <a:r>
+              <a:rPr kumimoji="1" lang="en-US" altLang="ko-KR" dirty="0"/>
+              <a:t>Public Subnet</a:t>
+            </a:r>
+            <a:endParaRPr kumimoji="1" lang="ko-KR" altLang="en-US" dirty="0"/>
+          </a:p>
+        </p:txBody>
+      </p:sp>
+      <p:pic>
+        <p:nvPicPr>
+          <p:cNvPr id="8" name="그래픽 7">
+            <a:extLst>
+              <a:ext uri="{FF2B5EF4-FFF2-40B4-BE49-F238E27FC236}">
+                <a16:creationId xmlns:a16="http://schemas.microsoft.com/office/drawing/2014/main" id="{87C86755-B06D-3EB3-B45C-A411E0CDD2F5}"/>
+              </a:ext>
+            </a:extLst>
+          </p:cNvPr>
+          <p:cNvPicPr>
+            <a:picLocks noChangeAspect="1"/>
+          </p:cNvPicPr>
+          <p:nvPr/>
+        </p:nvPicPr>
+        <p:blipFill>
+          <a:blip r:embed="rId4">
+            <a:extLst>
+              <a:ext uri="{96DAC541-7B7A-43D3-8B79-37D633B846F1}">
+                <asvg:svgBlip xmlns:asvg="http://schemas.microsoft.com/office/drawing/2016/SVG/main" r:embed="rId5"/>
+              </a:ext>
+            </a:extLst>
+          </a:blip>
+          <a:stretch>
+            <a:fillRect/>
+          </a:stretch>
+        </p:blipFill>
+        <p:spPr>
+          <a:xfrm>
+            <a:off x="881463" y="1410692"/>
+            <a:ext cx="601931" cy="601931"/>
+          </a:xfrm>
+          <a:prstGeom prst="rect">
+            <a:avLst/>
+          </a:prstGeom>
+        </p:spPr>
+      </p:pic>
+      <p:sp>
+        <p:nvSpPr>
+          <p:cNvPr id="12" name="직사각형 11">
+            <a:extLst>
+              <a:ext uri="{FF2B5EF4-FFF2-40B4-BE49-F238E27FC236}">
+                <a16:creationId xmlns:a16="http://schemas.microsoft.com/office/drawing/2014/main" id="{6ACB7CBD-773A-B410-4FC8-6F0274BD5914}"/>
+              </a:ext>
+            </a:extLst>
+          </p:cNvPr>
+          <p:cNvSpPr/>
+          <p:nvPr/>
+        </p:nvSpPr>
+        <p:spPr>
+          <a:xfrm>
+            <a:off x="8092965" y="1896324"/>
+            <a:ext cx="3199397" cy="1737190"/>
+          </a:xfrm>
+          <a:prstGeom prst="rect">
+            <a:avLst/>
+          </a:prstGeom>
+          <a:noFill/>
+          <a:ln w="9525">
+            <a:solidFill>
+              <a:schemeClr val="tx2">
+                <a:lumMod val="50000"/>
+                <a:lumOff val="50000"/>
+              </a:schemeClr>
+            </a:solidFill>
+          </a:ln>
+        </p:spPr>
+        <p:style>
+          <a:lnRef idx="2">
+            <a:schemeClr val="accent1">
+              <a:shade val="15000"/>
+            </a:schemeClr>
+          </a:lnRef>
+          <a:fillRef idx="1">
+            <a:schemeClr val="accent1"/>
+          </a:fillRef>
+          <a:effectRef idx="0">
+            <a:schemeClr val="accent1"/>
+          </a:effectRef>
+          <a:fontRef idx="minor">
+            <a:schemeClr val="lt1"/>
+          </a:fontRef>
+        </p:style>
+        <p:txBody>
+          <a:bodyPr rtlCol="0" anchor="ctr"/>
+          <a:lstStyle/>
+          <a:p>
+            <a:pPr algn="ctr"/>
+            <a:endParaRPr kumimoji="1" lang="ko-KR" altLang="en-US"/>
+          </a:p>
+        </p:txBody>
+      </p:sp>
+      <p:sp>
+        <p:nvSpPr>
+          <p:cNvPr id="13" name="TextBox 12">
+            <a:extLst>
+              <a:ext uri="{FF2B5EF4-FFF2-40B4-BE49-F238E27FC236}">
+                <a16:creationId xmlns:a16="http://schemas.microsoft.com/office/drawing/2014/main" id="{A568AF02-8A85-059A-C726-8927ADCB41F4}"/>
+              </a:ext>
+            </a:extLst>
+          </p:cNvPr>
+          <p:cNvSpPr txBox="1"/>
+          <p:nvPr/>
+        </p:nvSpPr>
+        <p:spPr>
+          <a:xfrm>
+            <a:off x="8694896" y="1513949"/>
+            <a:ext cx="1635384" cy="369332"/>
+          </a:xfrm>
+          <a:prstGeom prst="rect">
+            <a:avLst/>
+          </a:prstGeom>
+          <a:noFill/>
+        </p:spPr>
+        <p:txBody>
+          <a:bodyPr wrap="none" rtlCol="0">
+            <a:spAutoFit/>
+          </a:bodyPr>
+          <a:lstStyle/>
+          <a:p>
+            <a:r>
+              <a:rPr kumimoji="1" lang="en-US" altLang="ko-KR" dirty="0"/>
+              <a:t>DBMS Subnet</a:t>
+            </a:r>
+            <a:endParaRPr kumimoji="1" lang="ko-KR" altLang="en-US" dirty="0"/>
+          </a:p>
+        </p:txBody>
+      </p:sp>
+      <p:pic>
+        <p:nvPicPr>
+          <p:cNvPr id="14" name="그래픽 13">
+            <a:extLst>
+              <a:ext uri="{FF2B5EF4-FFF2-40B4-BE49-F238E27FC236}">
+                <a16:creationId xmlns:a16="http://schemas.microsoft.com/office/drawing/2014/main" id="{17F866E5-44A3-453D-EE41-3A4052A7E509}"/>
+              </a:ext>
+            </a:extLst>
+          </p:cNvPr>
+          <p:cNvPicPr>
+            <a:picLocks noChangeAspect="1"/>
+          </p:cNvPicPr>
+          <p:nvPr/>
+        </p:nvPicPr>
+        <p:blipFill>
+          <a:blip r:embed="rId4">
+            <a:extLst>
+              <a:ext uri="{96DAC541-7B7A-43D3-8B79-37D633B846F1}">
+                <asvg:svgBlip xmlns:asvg="http://schemas.microsoft.com/office/drawing/2016/SVG/main" r:embed="rId5"/>
+              </a:ext>
+            </a:extLst>
+          </a:blip>
+          <a:stretch>
+            <a:fillRect/>
+          </a:stretch>
+        </p:blipFill>
+        <p:spPr>
+          <a:xfrm>
+            <a:off x="8074790" y="1397649"/>
+            <a:ext cx="601931" cy="601931"/>
+          </a:xfrm>
+          <a:prstGeom prst="rect">
+            <a:avLst/>
+          </a:prstGeom>
+        </p:spPr>
+      </p:pic>
+      <p:sp>
+        <p:nvSpPr>
+          <p:cNvPr id="15" name="직사각형 14">
+            <a:extLst>
+              <a:ext uri="{FF2B5EF4-FFF2-40B4-BE49-F238E27FC236}">
+                <a16:creationId xmlns:a16="http://schemas.microsoft.com/office/drawing/2014/main" id="{9A0C7F6A-9A3B-0DF3-5EA6-445146F08F33}"/>
+              </a:ext>
+            </a:extLst>
+          </p:cNvPr>
+          <p:cNvSpPr/>
+          <p:nvPr/>
+        </p:nvSpPr>
+        <p:spPr>
+          <a:xfrm>
+            <a:off x="8092965" y="4310048"/>
+            <a:ext cx="3199397" cy="1737190"/>
+          </a:xfrm>
+          <a:prstGeom prst="rect">
+            <a:avLst/>
+          </a:prstGeom>
+          <a:noFill/>
+          <a:ln w="9525">
+            <a:solidFill>
+              <a:schemeClr val="tx2">
+                <a:lumMod val="50000"/>
+                <a:lumOff val="50000"/>
+              </a:schemeClr>
+            </a:solidFill>
+          </a:ln>
+        </p:spPr>
+        <p:style>
+          <a:lnRef idx="2">
+            <a:schemeClr val="accent1">
+              <a:shade val="15000"/>
+            </a:schemeClr>
+          </a:lnRef>
+          <a:fillRef idx="1">
+            <a:schemeClr val="accent1"/>
+          </a:fillRef>
+          <a:effectRef idx="0">
+            <a:schemeClr val="accent1"/>
+          </a:effectRef>
+          <a:fontRef idx="minor">
+            <a:schemeClr val="lt1"/>
+          </a:fontRef>
+        </p:style>
+        <p:txBody>
+          <a:bodyPr rtlCol="0" anchor="ctr"/>
+          <a:lstStyle/>
+          <a:p>
+            <a:pPr algn="ctr"/>
+            <a:endParaRPr kumimoji="1" lang="ko-KR" altLang="en-US"/>
+          </a:p>
+        </p:txBody>
+      </p:sp>
+      <p:sp>
+        <p:nvSpPr>
+          <p:cNvPr id="16" name="TextBox 15">
+            <a:extLst>
+              <a:ext uri="{FF2B5EF4-FFF2-40B4-BE49-F238E27FC236}">
+                <a16:creationId xmlns:a16="http://schemas.microsoft.com/office/drawing/2014/main" id="{D1633F51-4584-C778-051A-86D21150D68B}"/>
+              </a:ext>
+            </a:extLst>
+          </p:cNvPr>
+          <p:cNvSpPr txBox="1"/>
+          <p:nvPr/>
+        </p:nvSpPr>
+        <p:spPr>
+          <a:xfrm>
+            <a:off x="8694896" y="3927673"/>
+            <a:ext cx="1249060" cy="369332"/>
+          </a:xfrm>
+          <a:prstGeom prst="rect">
+            <a:avLst/>
+          </a:prstGeom>
+          <a:noFill/>
+        </p:spPr>
+        <p:txBody>
+          <a:bodyPr wrap="none" rtlCol="0">
+            <a:spAutoFit/>
+          </a:bodyPr>
+          <a:lstStyle/>
+          <a:p>
+            <a:r>
+              <a:rPr kumimoji="1" lang="en-US" altLang="ko-KR" dirty="0"/>
+              <a:t>P.E Subnet</a:t>
+            </a:r>
+            <a:endParaRPr kumimoji="1" lang="ko-KR" altLang="en-US" dirty="0"/>
+          </a:p>
+        </p:txBody>
+      </p:sp>
+      <p:pic>
+        <p:nvPicPr>
+          <p:cNvPr id="17" name="그래픽 16">
+            <a:extLst>
+              <a:ext uri="{FF2B5EF4-FFF2-40B4-BE49-F238E27FC236}">
+                <a16:creationId xmlns:a16="http://schemas.microsoft.com/office/drawing/2014/main" id="{12B5E71F-855C-BADF-577A-2144FDEF9B3C}"/>
+              </a:ext>
+            </a:extLst>
+          </p:cNvPr>
+          <p:cNvPicPr>
+            <a:picLocks noChangeAspect="1"/>
+          </p:cNvPicPr>
+          <p:nvPr/>
+        </p:nvPicPr>
+        <p:blipFill>
+          <a:blip r:embed="rId4">
+            <a:extLst>
+              <a:ext uri="{96DAC541-7B7A-43D3-8B79-37D633B846F1}">
+                <asvg:svgBlip xmlns:asvg="http://schemas.microsoft.com/office/drawing/2016/SVG/main" r:embed="rId5"/>
+              </a:ext>
+            </a:extLst>
+          </a:blip>
+          <a:stretch>
+            <a:fillRect/>
+          </a:stretch>
+        </p:blipFill>
+        <p:spPr>
+          <a:xfrm>
+            <a:off x="8074790" y="3811373"/>
+            <a:ext cx="601931" cy="601931"/>
+          </a:xfrm>
+          <a:prstGeom prst="rect">
+            <a:avLst/>
+          </a:prstGeom>
+        </p:spPr>
+      </p:pic>
+      <p:sp>
+        <p:nvSpPr>
+          <p:cNvPr id="19" name="직사각형 18">
+            <a:extLst>
+              <a:ext uri="{FF2B5EF4-FFF2-40B4-BE49-F238E27FC236}">
+                <a16:creationId xmlns:a16="http://schemas.microsoft.com/office/drawing/2014/main" id="{A466FB4B-4DE8-7961-D5B8-D24E04E2FFF7}"/>
+              </a:ext>
+            </a:extLst>
+          </p:cNvPr>
+          <p:cNvSpPr/>
+          <p:nvPr/>
+        </p:nvSpPr>
+        <p:spPr>
+          <a:xfrm>
+            <a:off x="4496301" y="1896324"/>
+            <a:ext cx="3199397" cy="1737190"/>
+          </a:xfrm>
+          <a:prstGeom prst="rect">
+            <a:avLst/>
+          </a:prstGeom>
+          <a:noFill/>
+          <a:ln w="9525">
+            <a:solidFill>
+              <a:schemeClr val="tx2">
+                <a:lumMod val="50000"/>
+                <a:lumOff val="50000"/>
+              </a:schemeClr>
+            </a:solidFill>
+          </a:ln>
+        </p:spPr>
+        <p:style>
+          <a:lnRef idx="2">
+            <a:schemeClr val="accent1">
+              <a:shade val="15000"/>
+            </a:schemeClr>
+          </a:lnRef>
+          <a:fillRef idx="1">
+            <a:schemeClr val="accent1"/>
+          </a:fillRef>
+          <a:effectRef idx="0">
+            <a:schemeClr val="accent1"/>
+          </a:effectRef>
+          <a:fontRef idx="minor">
+            <a:schemeClr val="lt1"/>
+          </a:fontRef>
+        </p:style>
+        <p:txBody>
+          <a:bodyPr rtlCol="0" anchor="ctr"/>
+          <a:lstStyle/>
+          <a:p>
+            <a:pPr algn="ctr"/>
+            <a:endParaRPr kumimoji="1" lang="ko-KR" altLang="en-US"/>
+          </a:p>
+        </p:txBody>
+      </p:sp>
+      <p:sp>
+        <p:nvSpPr>
+          <p:cNvPr id="20" name="TextBox 19">
+            <a:extLst>
+              <a:ext uri="{FF2B5EF4-FFF2-40B4-BE49-F238E27FC236}">
+                <a16:creationId xmlns:a16="http://schemas.microsoft.com/office/drawing/2014/main" id="{64C0E90A-B08B-B74F-2A91-FDC661492EFC}"/>
+              </a:ext>
+            </a:extLst>
+          </p:cNvPr>
+          <p:cNvSpPr txBox="1"/>
+          <p:nvPr/>
+        </p:nvSpPr>
+        <p:spPr>
+          <a:xfrm>
+            <a:off x="5098232" y="1513949"/>
+            <a:ext cx="1412566" cy="369332"/>
+          </a:xfrm>
+          <a:prstGeom prst="rect">
+            <a:avLst/>
+          </a:prstGeom>
+          <a:noFill/>
+        </p:spPr>
+        <p:txBody>
+          <a:bodyPr wrap="none" rtlCol="0">
+            <a:spAutoFit/>
+          </a:bodyPr>
+          <a:lstStyle/>
+          <a:p>
+            <a:r>
+              <a:rPr kumimoji="1" lang="en-US" altLang="ko-KR" dirty="0"/>
+              <a:t>AKS Subnet</a:t>
+            </a:r>
+            <a:endParaRPr kumimoji="1" lang="ko-KR" altLang="en-US" dirty="0"/>
+          </a:p>
+        </p:txBody>
+      </p:sp>
+      <p:pic>
+        <p:nvPicPr>
+          <p:cNvPr id="21" name="그래픽 20">
+            <a:extLst>
+              <a:ext uri="{FF2B5EF4-FFF2-40B4-BE49-F238E27FC236}">
+                <a16:creationId xmlns:a16="http://schemas.microsoft.com/office/drawing/2014/main" id="{EAFA2834-8392-1E5B-758A-03F3EDA99DC3}"/>
+              </a:ext>
+            </a:extLst>
+          </p:cNvPr>
+          <p:cNvPicPr>
+            <a:picLocks noChangeAspect="1"/>
+          </p:cNvPicPr>
+          <p:nvPr/>
+        </p:nvPicPr>
+        <p:blipFill>
+          <a:blip r:embed="rId4">
+            <a:extLst>
+              <a:ext uri="{96DAC541-7B7A-43D3-8B79-37D633B846F1}">
+                <asvg:svgBlip xmlns:asvg="http://schemas.microsoft.com/office/drawing/2016/SVG/main" r:embed="rId5"/>
+              </a:ext>
+            </a:extLst>
+          </a:blip>
+          <a:stretch>
+            <a:fillRect/>
+          </a:stretch>
+        </p:blipFill>
+        <p:spPr>
+          <a:xfrm>
+            <a:off x="4478126" y="1397649"/>
+            <a:ext cx="601931" cy="601931"/>
+          </a:xfrm>
+          <a:prstGeom prst="rect">
+            <a:avLst/>
+          </a:prstGeom>
+        </p:spPr>
+      </p:pic>
+      <p:sp>
+        <p:nvSpPr>
+          <p:cNvPr id="22" name="직사각형 21">
+            <a:extLst>
+              <a:ext uri="{FF2B5EF4-FFF2-40B4-BE49-F238E27FC236}">
+                <a16:creationId xmlns:a16="http://schemas.microsoft.com/office/drawing/2014/main" id="{3D46F5AB-0A23-20E5-FEE9-594844DC0BD4}"/>
+              </a:ext>
+            </a:extLst>
+          </p:cNvPr>
+          <p:cNvSpPr/>
+          <p:nvPr/>
+        </p:nvSpPr>
+        <p:spPr>
+          <a:xfrm>
+            <a:off x="4496301" y="4310048"/>
+            <a:ext cx="3199397" cy="1737190"/>
+          </a:xfrm>
+          <a:prstGeom prst="rect">
+            <a:avLst/>
+          </a:prstGeom>
+          <a:noFill/>
+          <a:ln w="9525">
+            <a:solidFill>
+              <a:schemeClr val="tx2">
+                <a:lumMod val="50000"/>
+                <a:lumOff val="50000"/>
+              </a:schemeClr>
+            </a:solidFill>
+          </a:ln>
+        </p:spPr>
+        <p:style>
+          <a:lnRef idx="2">
+            <a:schemeClr val="accent1">
+              <a:shade val="15000"/>
+            </a:schemeClr>
+          </a:lnRef>
+          <a:fillRef idx="1">
+            <a:schemeClr val="accent1"/>
+          </a:fillRef>
+          <a:effectRef idx="0">
+            <a:schemeClr val="accent1"/>
+          </a:effectRef>
+          <a:fontRef idx="minor">
+            <a:schemeClr val="lt1"/>
+          </a:fontRef>
+        </p:style>
+        <p:txBody>
+          <a:bodyPr rtlCol="0" anchor="ctr"/>
+          <a:lstStyle/>
+          <a:p>
+            <a:pPr algn="ctr"/>
+            <a:endParaRPr kumimoji="1" lang="ko-KR" altLang="en-US"/>
+          </a:p>
+        </p:txBody>
+      </p:sp>
+      <p:sp>
+        <p:nvSpPr>
+          <p:cNvPr id="23" name="TextBox 22">
+            <a:extLst>
+              <a:ext uri="{FF2B5EF4-FFF2-40B4-BE49-F238E27FC236}">
+                <a16:creationId xmlns:a16="http://schemas.microsoft.com/office/drawing/2014/main" id="{EBF4CD82-DFA4-864D-EB82-93BE45C58E99}"/>
+              </a:ext>
+            </a:extLst>
+          </p:cNvPr>
+          <p:cNvSpPr txBox="1"/>
+          <p:nvPr/>
+        </p:nvSpPr>
+        <p:spPr>
+          <a:xfrm>
+            <a:off x="5098232" y="3927673"/>
+            <a:ext cx="1556836" cy="369332"/>
+          </a:xfrm>
+          <a:prstGeom prst="rect">
+            <a:avLst/>
+          </a:prstGeom>
+          <a:noFill/>
+        </p:spPr>
+        <p:txBody>
+          <a:bodyPr wrap="none" rtlCol="0">
+            <a:spAutoFit/>
+          </a:bodyPr>
+          <a:lstStyle/>
+          <a:p>
+            <a:r>
+              <a:rPr kumimoji="1" lang="en-US" altLang="ko-KR" dirty="0"/>
+              <a:t>APIM Subnet</a:t>
+            </a:r>
+            <a:endParaRPr kumimoji="1" lang="ko-KR" altLang="en-US" dirty="0"/>
+          </a:p>
+        </p:txBody>
+      </p:sp>
+      <p:pic>
+        <p:nvPicPr>
+          <p:cNvPr id="24" name="그래픽 23">
+            <a:extLst>
+              <a:ext uri="{FF2B5EF4-FFF2-40B4-BE49-F238E27FC236}">
+                <a16:creationId xmlns:a16="http://schemas.microsoft.com/office/drawing/2014/main" id="{55F19E27-AC70-EF9E-6BB4-1062C90A3BFA}"/>
+              </a:ext>
+            </a:extLst>
+          </p:cNvPr>
+          <p:cNvPicPr>
+            <a:picLocks noChangeAspect="1"/>
+          </p:cNvPicPr>
+          <p:nvPr/>
+        </p:nvPicPr>
+        <p:blipFill>
+          <a:blip r:embed="rId4">
+            <a:extLst>
+              <a:ext uri="{96DAC541-7B7A-43D3-8B79-37D633B846F1}">
+                <asvg:svgBlip xmlns:asvg="http://schemas.microsoft.com/office/drawing/2016/SVG/main" r:embed="rId5"/>
+              </a:ext>
+            </a:extLst>
+          </a:blip>
+          <a:stretch>
+            <a:fillRect/>
+          </a:stretch>
+        </p:blipFill>
+        <p:spPr>
+          <a:xfrm>
+            <a:off x="4478126" y="3811373"/>
+            <a:ext cx="601931" cy="601931"/>
+          </a:xfrm>
+          <a:prstGeom prst="rect">
+            <a:avLst/>
+          </a:prstGeom>
+        </p:spPr>
+      </p:pic>
+      <p:grpSp>
+        <p:nvGrpSpPr>
+          <p:cNvPr id="25" name="그룹 24">
+            <a:extLst>
+              <a:ext uri="{FF2B5EF4-FFF2-40B4-BE49-F238E27FC236}">
+                <a16:creationId xmlns:a16="http://schemas.microsoft.com/office/drawing/2014/main" id="{4717B599-5D16-84EB-954B-C9A371AE6D77}"/>
+              </a:ext>
+            </a:extLst>
+          </p:cNvPr>
+          <p:cNvGrpSpPr/>
+          <p:nvPr/>
+        </p:nvGrpSpPr>
+        <p:grpSpPr>
+          <a:xfrm>
+            <a:off x="1356408" y="2260679"/>
+            <a:ext cx="956441" cy="932110"/>
+            <a:chOff x="4385714" y="4080048"/>
+            <a:chExt cx="1254639" cy="1190108"/>
+          </a:xfrm>
+        </p:grpSpPr>
+        <p:sp>
+          <p:nvSpPr>
+            <p:cNvPr id="26" name="TextBox 25">
+              <a:extLst>
+                <a:ext uri="{FF2B5EF4-FFF2-40B4-BE49-F238E27FC236}">
+                  <a16:creationId xmlns:a16="http://schemas.microsoft.com/office/drawing/2014/main" id="{ECAAF103-0C18-3626-EA9C-BAE90C146BB1}"/>
+                </a:ext>
+              </a:extLst>
+            </p:cNvPr>
+            <p:cNvSpPr txBox="1"/>
+            <p:nvPr/>
+          </p:nvSpPr>
+          <p:spPr>
+            <a:xfrm>
+              <a:off x="4385714" y="4900824"/>
+              <a:ext cx="1254639" cy="369332"/>
+            </a:xfrm>
+            <a:prstGeom prst="rect">
+              <a:avLst/>
+            </a:prstGeom>
+            <a:noFill/>
+          </p:spPr>
+          <p:txBody>
+            <a:bodyPr wrap="none" rtlCol="0">
+              <a:spAutoFit/>
+            </a:bodyPr>
+            <a:lstStyle/>
+            <a:p>
+              <a:pPr algn="ctr"/>
+              <a:r>
+                <a:rPr kumimoji="1" lang="en-US" altLang="ko-KR" dirty="0" err="1"/>
+                <a:t>AZFirewall</a:t>
+              </a:r>
+              <a:endParaRPr kumimoji="1" lang="ko-KR" altLang="en-US" dirty="0"/>
+            </a:p>
+          </p:txBody>
+        </p:sp>
+        <p:pic>
+          <p:nvPicPr>
+            <p:cNvPr id="27" name="그래픽 26">
+              <a:extLst>
+                <a:ext uri="{FF2B5EF4-FFF2-40B4-BE49-F238E27FC236}">
+                  <a16:creationId xmlns:a16="http://schemas.microsoft.com/office/drawing/2014/main" id="{E3058D8B-3B6C-7E6D-3A4E-2B86DA18B61C}"/>
+                </a:ext>
+              </a:extLst>
+            </p:cNvPr>
+            <p:cNvPicPr>
+              <a:picLocks noChangeAspect="1"/>
+            </p:cNvPicPr>
+            <p:nvPr/>
+          </p:nvPicPr>
+          <p:blipFill>
+            <a:blip r:embed="rId6">
+              <a:extLst>
+                <a:ext uri="{96DAC541-7B7A-43D3-8B79-37D633B846F1}">
+                  <asvg:svgBlip xmlns:asvg="http://schemas.microsoft.com/office/drawing/2016/SVG/main" r:embed="rId7"/>
+                </a:ext>
+              </a:extLst>
+            </a:blip>
+            <a:stretch>
+              <a:fillRect/>
+            </a:stretch>
+          </p:blipFill>
+          <p:spPr>
+            <a:xfrm>
+              <a:off x="4641777" y="4080048"/>
+              <a:ext cx="744142" cy="744142"/>
+            </a:xfrm>
+            <a:prstGeom prst="rect">
+              <a:avLst/>
+            </a:prstGeom>
+          </p:spPr>
+        </p:pic>
+      </p:grpSp>
+      <p:grpSp>
+        <p:nvGrpSpPr>
+          <p:cNvPr id="28" name="그룹 27">
+            <a:extLst>
+              <a:ext uri="{FF2B5EF4-FFF2-40B4-BE49-F238E27FC236}">
+                <a16:creationId xmlns:a16="http://schemas.microsoft.com/office/drawing/2014/main" id="{95C378F9-A45A-4BE6-5E3B-547A40422BB7}"/>
+              </a:ext>
+            </a:extLst>
+          </p:cNvPr>
+          <p:cNvGrpSpPr/>
+          <p:nvPr/>
+        </p:nvGrpSpPr>
+        <p:grpSpPr>
+          <a:xfrm>
+            <a:off x="2790885" y="2263347"/>
+            <a:ext cx="740591" cy="936862"/>
+            <a:chOff x="4391736" y="2234340"/>
+            <a:chExt cx="994183" cy="1194660"/>
+          </a:xfrm>
+        </p:grpSpPr>
+        <p:pic>
+          <p:nvPicPr>
+            <p:cNvPr id="29" name="그래픽 28">
+              <a:extLst>
+                <a:ext uri="{FF2B5EF4-FFF2-40B4-BE49-F238E27FC236}">
+                  <a16:creationId xmlns:a16="http://schemas.microsoft.com/office/drawing/2014/main" id="{2EBABBC7-498D-FE9F-FFF7-697751741200}"/>
+                </a:ext>
+              </a:extLst>
+            </p:cNvPr>
+            <p:cNvPicPr>
+              <a:picLocks noChangeAspect="1"/>
+            </p:cNvPicPr>
+            <p:nvPr/>
+          </p:nvPicPr>
+          <p:blipFill>
+            <a:blip r:embed="rId8">
+              <a:extLst>
+                <a:ext uri="{96DAC541-7B7A-43D3-8B79-37D633B846F1}">
+                  <asvg:svgBlip xmlns:asvg="http://schemas.microsoft.com/office/drawing/2016/SVG/main" r:embed="rId9"/>
+                </a:ext>
+              </a:extLst>
+            </a:blip>
+            <a:stretch>
+              <a:fillRect/>
+            </a:stretch>
+          </p:blipFill>
+          <p:spPr>
+            <a:xfrm>
+              <a:off x="4498474" y="2234340"/>
+              <a:ext cx="780707" cy="780707"/>
+            </a:xfrm>
+            <a:prstGeom prst="rect">
+              <a:avLst/>
+            </a:prstGeom>
+          </p:spPr>
+        </p:pic>
+        <p:sp>
+          <p:nvSpPr>
+            <p:cNvPr id="30" name="TextBox 29">
+              <a:extLst>
+                <a:ext uri="{FF2B5EF4-FFF2-40B4-BE49-F238E27FC236}">
+                  <a16:creationId xmlns:a16="http://schemas.microsoft.com/office/drawing/2014/main" id="{E9F5980F-E2D9-BD4A-309D-E0B60D36692D}"/>
+                </a:ext>
+              </a:extLst>
+            </p:cNvPr>
+            <p:cNvSpPr txBox="1"/>
+            <p:nvPr/>
+          </p:nvSpPr>
+          <p:spPr>
+            <a:xfrm>
+              <a:off x="4391736" y="3059668"/>
+              <a:ext cx="994183" cy="369332"/>
+            </a:xfrm>
+            <a:prstGeom prst="rect">
+              <a:avLst/>
+            </a:prstGeom>
+            <a:noFill/>
+          </p:spPr>
+          <p:txBody>
+            <a:bodyPr wrap="none" rtlCol="0">
+              <a:spAutoFit/>
+            </a:bodyPr>
+            <a:lstStyle/>
+            <a:p>
+              <a:pPr algn="ctr"/>
+              <a:r>
+                <a:rPr kumimoji="1" lang="en-US" altLang="ko-KR" dirty="0" err="1"/>
+                <a:t>AppGW</a:t>
+              </a:r>
+              <a:endParaRPr kumimoji="1" lang="ko-KR" altLang="en-US" dirty="0"/>
+            </a:p>
+          </p:txBody>
+        </p:sp>
+      </p:grpSp>
+      <p:grpSp>
+        <p:nvGrpSpPr>
+          <p:cNvPr id="31" name="그룹 30">
+            <a:extLst>
+              <a:ext uri="{FF2B5EF4-FFF2-40B4-BE49-F238E27FC236}">
+                <a16:creationId xmlns:a16="http://schemas.microsoft.com/office/drawing/2014/main" id="{F949311B-56A2-EA14-C378-FCAC9714F5EC}"/>
+              </a:ext>
+            </a:extLst>
+          </p:cNvPr>
+          <p:cNvGrpSpPr/>
+          <p:nvPr/>
+        </p:nvGrpSpPr>
+        <p:grpSpPr>
+          <a:xfrm>
+            <a:off x="5649355" y="2208435"/>
+            <a:ext cx="681853" cy="1112968"/>
+            <a:chOff x="489978" y="504395"/>
+            <a:chExt cx="681853" cy="1112968"/>
+          </a:xfrm>
+        </p:grpSpPr>
+        <p:pic>
+          <p:nvPicPr>
+            <p:cNvPr id="32" name="그래픽 31">
+              <a:extLst>
+                <a:ext uri="{FF2B5EF4-FFF2-40B4-BE49-F238E27FC236}">
+                  <a16:creationId xmlns:a16="http://schemas.microsoft.com/office/drawing/2014/main" id="{D5452676-0E1B-3EEC-CA7B-78E3FB047D88}"/>
+                </a:ext>
+              </a:extLst>
+            </p:cNvPr>
+            <p:cNvPicPr>
+              <a:picLocks noChangeAspect="1"/>
+            </p:cNvPicPr>
+            <p:nvPr/>
+          </p:nvPicPr>
+          <p:blipFill>
+            <a:blip r:embed="rId10">
+              <a:extLst>
+                <a:ext uri="{96DAC541-7B7A-43D3-8B79-37D633B846F1}">
+                  <asvg:svgBlip xmlns:asvg="http://schemas.microsoft.com/office/drawing/2016/SVG/main" r:embed="rId11"/>
+                </a:ext>
+              </a:extLst>
+            </a:blip>
+            <a:stretch>
+              <a:fillRect/>
+            </a:stretch>
+          </p:blipFill>
+          <p:spPr>
+            <a:xfrm>
+              <a:off x="489978" y="504395"/>
+              <a:ext cx="681853" cy="681853"/>
+            </a:xfrm>
+            <a:prstGeom prst="rect">
+              <a:avLst/>
+            </a:prstGeom>
+          </p:spPr>
+        </p:pic>
+        <p:sp>
+          <p:nvSpPr>
+            <p:cNvPr id="33" name="TextBox 32">
+              <a:extLst>
+                <a:ext uri="{FF2B5EF4-FFF2-40B4-BE49-F238E27FC236}">
+                  <a16:creationId xmlns:a16="http://schemas.microsoft.com/office/drawing/2014/main" id="{4E9A7C6C-CB48-6A50-E3D8-7CCF986687AB}"/>
+                </a:ext>
+              </a:extLst>
+            </p:cNvPr>
+            <p:cNvSpPr txBox="1"/>
+            <p:nvPr/>
+          </p:nvSpPr>
+          <p:spPr>
+            <a:xfrm>
+              <a:off x="531783" y="1248031"/>
+              <a:ext cx="598241" cy="369332"/>
+            </a:xfrm>
+            <a:prstGeom prst="rect">
+              <a:avLst/>
+            </a:prstGeom>
+            <a:noFill/>
+          </p:spPr>
+          <p:txBody>
+            <a:bodyPr wrap="none" rtlCol="0">
+              <a:spAutoFit/>
+            </a:bodyPr>
+            <a:lstStyle/>
+            <a:p>
+              <a:pPr algn="ctr"/>
+              <a:r>
+                <a:rPr kumimoji="1" lang="en-US" altLang="ko-KR" dirty="0"/>
+                <a:t>AKS</a:t>
+              </a:r>
+              <a:endParaRPr kumimoji="1" lang="ko-KR" altLang="en-US" dirty="0"/>
+            </a:p>
+          </p:txBody>
+        </p:sp>
+      </p:grpSp>
+      <p:grpSp>
+        <p:nvGrpSpPr>
+          <p:cNvPr id="34" name="그룹 33">
+            <a:extLst>
+              <a:ext uri="{FF2B5EF4-FFF2-40B4-BE49-F238E27FC236}">
+                <a16:creationId xmlns:a16="http://schemas.microsoft.com/office/drawing/2014/main" id="{FCDCECFB-252F-F0BA-B0B3-1A9067C535D7}"/>
+              </a:ext>
+            </a:extLst>
+          </p:cNvPr>
+          <p:cNvGrpSpPr/>
+          <p:nvPr/>
+        </p:nvGrpSpPr>
+        <p:grpSpPr>
+          <a:xfrm>
+            <a:off x="8839234" y="2159007"/>
+            <a:ext cx="941669" cy="1162396"/>
+            <a:chOff x="5625168" y="2234340"/>
+            <a:chExt cx="941669" cy="1162396"/>
+          </a:xfrm>
+        </p:grpSpPr>
+        <p:pic>
+          <p:nvPicPr>
+            <p:cNvPr id="35" name="그래픽 34">
+              <a:extLst>
+                <a:ext uri="{FF2B5EF4-FFF2-40B4-BE49-F238E27FC236}">
+                  <a16:creationId xmlns:a16="http://schemas.microsoft.com/office/drawing/2014/main" id="{2B2C405A-1754-7095-3882-6B527DB1DC40}"/>
+                </a:ext>
+              </a:extLst>
+            </p:cNvPr>
+            <p:cNvPicPr>
+              <a:picLocks noChangeAspect="1"/>
+            </p:cNvPicPr>
+            <p:nvPr/>
+          </p:nvPicPr>
+          <p:blipFill>
+            <a:blip r:embed="rId12">
+              <a:extLst>
+                <a:ext uri="{96DAC541-7B7A-43D3-8B79-37D633B846F1}">
+                  <asvg:svgBlip xmlns:asvg="http://schemas.microsoft.com/office/drawing/2016/SVG/main" r:embed="rId13"/>
+                </a:ext>
+              </a:extLst>
+            </a:blip>
+            <a:stretch>
+              <a:fillRect/>
+            </a:stretch>
+          </p:blipFill>
+          <p:spPr>
+            <a:xfrm>
+              <a:off x="5748895" y="2234340"/>
+              <a:ext cx="694209" cy="694209"/>
+            </a:xfrm>
+            <a:prstGeom prst="rect">
+              <a:avLst/>
+            </a:prstGeom>
+          </p:spPr>
+        </p:pic>
+        <p:sp>
+          <p:nvSpPr>
+            <p:cNvPr id="36" name="TextBox 35">
+              <a:extLst>
+                <a:ext uri="{FF2B5EF4-FFF2-40B4-BE49-F238E27FC236}">
+                  <a16:creationId xmlns:a16="http://schemas.microsoft.com/office/drawing/2014/main" id="{9CF99477-0775-F644-E10E-896AFA36A1ED}"/>
+                </a:ext>
+              </a:extLst>
+            </p:cNvPr>
+            <p:cNvSpPr txBox="1"/>
+            <p:nvPr/>
+          </p:nvSpPr>
+          <p:spPr>
+            <a:xfrm>
+              <a:off x="5625168" y="3027404"/>
+              <a:ext cx="941669" cy="369332"/>
+            </a:xfrm>
+            <a:prstGeom prst="rect">
+              <a:avLst/>
+            </a:prstGeom>
+            <a:noFill/>
+          </p:spPr>
+          <p:txBody>
+            <a:bodyPr wrap="none" rtlCol="0">
+              <a:spAutoFit/>
+            </a:bodyPr>
+            <a:lstStyle/>
+            <a:p>
+              <a:pPr algn="ctr"/>
+              <a:r>
+                <a:rPr kumimoji="1" lang="en-US" altLang="ko-KR" dirty="0"/>
+                <a:t>SQL P.E</a:t>
+              </a:r>
+              <a:endParaRPr kumimoji="1" lang="ko-KR" altLang="en-US" dirty="0"/>
+            </a:p>
+          </p:txBody>
+        </p:sp>
+      </p:grpSp>
+      <p:grpSp>
+        <p:nvGrpSpPr>
+          <p:cNvPr id="37" name="그룹 36">
+            <a:extLst>
+              <a:ext uri="{FF2B5EF4-FFF2-40B4-BE49-F238E27FC236}">
+                <a16:creationId xmlns:a16="http://schemas.microsoft.com/office/drawing/2014/main" id="{48D7C7A6-88F7-DC4C-199C-81CEA2EB4056}"/>
+              </a:ext>
+            </a:extLst>
+          </p:cNvPr>
+          <p:cNvGrpSpPr/>
+          <p:nvPr/>
+        </p:nvGrpSpPr>
+        <p:grpSpPr>
+          <a:xfrm>
+            <a:off x="5561826" y="4674540"/>
+            <a:ext cx="856908" cy="1188139"/>
+            <a:chOff x="8465321" y="429224"/>
+            <a:chExt cx="856908" cy="1188139"/>
+          </a:xfrm>
+        </p:grpSpPr>
+        <p:pic>
+          <p:nvPicPr>
+            <p:cNvPr id="38" name="그래픽 37">
+              <a:extLst>
+                <a:ext uri="{FF2B5EF4-FFF2-40B4-BE49-F238E27FC236}">
+                  <a16:creationId xmlns:a16="http://schemas.microsoft.com/office/drawing/2014/main" id="{D52099E1-B076-AD69-F6D8-BFB78505F934}"/>
+                </a:ext>
+              </a:extLst>
+            </p:cNvPr>
+            <p:cNvPicPr>
+              <a:picLocks noChangeAspect="1"/>
+            </p:cNvPicPr>
+            <p:nvPr/>
+          </p:nvPicPr>
+          <p:blipFill>
+            <a:blip r:embed="rId14">
+              <a:extLst>
+                <a:ext uri="{96DAC541-7B7A-43D3-8B79-37D633B846F1}">
+                  <asvg:svgBlip xmlns:asvg="http://schemas.microsoft.com/office/drawing/2016/SVG/main" r:embed="rId15"/>
+                </a:ext>
+              </a:extLst>
+            </a:blip>
+            <a:stretch>
+              <a:fillRect/>
+            </a:stretch>
+          </p:blipFill>
+          <p:spPr>
+            <a:xfrm>
+              <a:off x="8465321" y="429224"/>
+              <a:ext cx="856908" cy="856908"/>
+            </a:xfrm>
+            <a:prstGeom prst="rect">
+              <a:avLst/>
+            </a:prstGeom>
+          </p:spPr>
+        </p:pic>
+        <p:sp>
+          <p:nvSpPr>
+            <p:cNvPr id="39" name="TextBox 38">
+              <a:extLst>
+                <a:ext uri="{FF2B5EF4-FFF2-40B4-BE49-F238E27FC236}">
+                  <a16:creationId xmlns:a16="http://schemas.microsoft.com/office/drawing/2014/main" id="{E48315C6-38AF-DD49-1CAA-1AFA821A81DD}"/>
+                </a:ext>
+              </a:extLst>
+            </p:cNvPr>
+            <p:cNvSpPr txBox="1"/>
+            <p:nvPr/>
+          </p:nvSpPr>
+          <p:spPr>
+            <a:xfrm>
+              <a:off x="8522520" y="1248031"/>
+              <a:ext cx="742511" cy="369332"/>
+            </a:xfrm>
+            <a:prstGeom prst="rect">
+              <a:avLst/>
+            </a:prstGeom>
+            <a:noFill/>
+          </p:spPr>
+          <p:txBody>
+            <a:bodyPr wrap="none" rtlCol="0">
+              <a:spAutoFit/>
+            </a:bodyPr>
+            <a:lstStyle/>
+            <a:p>
+              <a:pPr algn="ctr"/>
+              <a:r>
+                <a:rPr kumimoji="1" lang="en-US" altLang="ko-KR" dirty="0"/>
+                <a:t>APIM</a:t>
+              </a:r>
+              <a:endParaRPr kumimoji="1" lang="ko-KR" altLang="en-US" dirty="0"/>
+            </a:p>
+          </p:txBody>
+        </p:sp>
+      </p:grpSp>
+      <p:grpSp>
+        <p:nvGrpSpPr>
+          <p:cNvPr id="40" name="그룹 39">
+            <a:extLst>
+              <a:ext uri="{FF2B5EF4-FFF2-40B4-BE49-F238E27FC236}">
+                <a16:creationId xmlns:a16="http://schemas.microsoft.com/office/drawing/2014/main" id="{97BFC891-9E23-6554-5CB8-EDDA341D1FB6}"/>
+              </a:ext>
+            </a:extLst>
+          </p:cNvPr>
+          <p:cNvGrpSpPr/>
+          <p:nvPr/>
+        </p:nvGrpSpPr>
+        <p:grpSpPr>
+          <a:xfrm>
+            <a:off x="8917823" y="4674540"/>
+            <a:ext cx="1036246" cy="1162396"/>
+            <a:chOff x="5577879" y="2234340"/>
+            <a:chExt cx="1036246" cy="1162396"/>
+          </a:xfrm>
+        </p:grpSpPr>
+        <p:pic>
+          <p:nvPicPr>
+            <p:cNvPr id="41" name="그래픽 40">
+              <a:extLst>
+                <a:ext uri="{FF2B5EF4-FFF2-40B4-BE49-F238E27FC236}">
+                  <a16:creationId xmlns:a16="http://schemas.microsoft.com/office/drawing/2014/main" id="{A668854A-CB4F-F2AD-48FE-6EB61146FC61}"/>
+                </a:ext>
+              </a:extLst>
+            </p:cNvPr>
+            <p:cNvPicPr>
+              <a:picLocks noChangeAspect="1"/>
+            </p:cNvPicPr>
+            <p:nvPr/>
+          </p:nvPicPr>
+          <p:blipFill>
+            <a:blip r:embed="rId12">
+              <a:extLst>
+                <a:ext uri="{96DAC541-7B7A-43D3-8B79-37D633B846F1}">
+                  <asvg:svgBlip xmlns:asvg="http://schemas.microsoft.com/office/drawing/2016/SVG/main" r:embed="rId13"/>
+                </a:ext>
+              </a:extLst>
+            </a:blip>
+            <a:stretch>
+              <a:fillRect/>
+            </a:stretch>
+          </p:blipFill>
+          <p:spPr>
+            <a:xfrm>
+              <a:off x="5748895" y="2234340"/>
+              <a:ext cx="694209" cy="694209"/>
+            </a:xfrm>
+            <a:prstGeom prst="rect">
+              <a:avLst/>
+            </a:prstGeom>
+          </p:spPr>
+        </p:pic>
+        <p:sp>
+          <p:nvSpPr>
+            <p:cNvPr id="42" name="TextBox 41">
+              <a:extLst>
+                <a:ext uri="{FF2B5EF4-FFF2-40B4-BE49-F238E27FC236}">
+                  <a16:creationId xmlns:a16="http://schemas.microsoft.com/office/drawing/2014/main" id="{515AC3AC-1B01-ECAF-6322-F0B4371EFEFF}"/>
+                </a:ext>
+              </a:extLst>
+            </p:cNvPr>
+            <p:cNvSpPr txBox="1"/>
+            <p:nvPr/>
+          </p:nvSpPr>
+          <p:spPr>
+            <a:xfrm>
+              <a:off x="5577879" y="3027404"/>
+              <a:ext cx="1036246" cy="369332"/>
+            </a:xfrm>
+            <a:prstGeom prst="rect">
+              <a:avLst/>
+            </a:prstGeom>
+            <a:noFill/>
+          </p:spPr>
+          <p:txBody>
+            <a:bodyPr wrap="none" rtlCol="0">
+              <a:spAutoFit/>
+            </a:bodyPr>
+            <a:lstStyle/>
+            <a:p>
+              <a:pPr algn="ctr"/>
+              <a:r>
+                <a:rPr kumimoji="1" lang="en-US" altLang="ko-KR" dirty="0"/>
+                <a:t>As-Is P.E</a:t>
+              </a:r>
+              <a:endParaRPr kumimoji="1" lang="ko-KR" altLang="en-US" dirty="0"/>
+            </a:p>
+          </p:txBody>
+        </p:sp>
+      </p:grpSp>
+    </p:spTree>
+    <p:extLst>
+      <p:ext uri="{BB962C8B-B14F-4D97-AF65-F5344CB8AC3E}">
+        <p14:creationId xmlns:p14="http://schemas.microsoft.com/office/powerpoint/2010/main" val="1521021386"/>
+      </p:ext>
+    </p:extLst>
+  </p:cSld>
+  <p:clrMapOvr>
+    <a:masterClrMapping/>
+  </p:clrMapOvr>
+</p:sld>
+</file>
+
+<file path=ppt/slides/slide5.xml><?xml version="1.0" encoding="utf-8"?>
+<p:sld xmlns:a="http://schemas.openxmlformats.org/drawingml/2006/main" xmlns:r="http://schemas.openxmlformats.org/officeDocument/2006/relationships" xmlns:p="http://schemas.openxmlformats.org/presentationml/2006/main">
+  <p:cSld>
+    <p:spTree>
+      <p:nvGrpSpPr>
+        <p:cNvPr id="1" name=""/>
+        <p:cNvGrpSpPr/>
+        <p:nvPr/>
+      </p:nvGrpSpPr>
+      <p:grpSpPr>
+        <a:xfrm>
+          <a:off x="0" y="0"/>
+          <a:ext cx="0" cy="0"/>
+          <a:chOff x="0" y="0"/>
+          <a:chExt cx="0" cy="0"/>
+        </a:xfrm>
+      </p:grpSpPr>
+      <p:grpSp>
+        <p:nvGrpSpPr>
+          <p:cNvPr id="2" name="그룹 1">
+            <a:extLst>
+              <a:ext uri="{FF2B5EF4-FFF2-40B4-BE49-F238E27FC236}">
+                <a16:creationId xmlns:a16="http://schemas.microsoft.com/office/drawing/2014/main" id="{E93A8D08-CE89-55B3-8834-187D9C239C62}"/>
+              </a:ext>
+            </a:extLst>
+          </p:cNvPr>
+          <p:cNvGrpSpPr/>
+          <p:nvPr/>
+        </p:nvGrpSpPr>
+        <p:grpSpPr>
+          <a:xfrm>
+            <a:off x="543697" y="92531"/>
+            <a:ext cx="11071654" cy="6357696"/>
+            <a:chOff x="543697" y="92531"/>
+            <a:chExt cx="11071654" cy="6357696"/>
+          </a:xfrm>
+        </p:grpSpPr>
+        <p:sp>
+          <p:nvSpPr>
+            <p:cNvPr id="3" name="직사각형 2">
+              <a:extLst>
+                <a:ext uri="{FF2B5EF4-FFF2-40B4-BE49-F238E27FC236}">
+                  <a16:creationId xmlns:a16="http://schemas.microsoft.com/office/drawing/2014/main" id="{3EB061DA-9B03-CB66-DB73-AD83B59E64C3}"/>
+                </a:ext>
+              </a:extLst>
+            </p:cNvPr>
+            <p:cNvSpPr/>
+            <p:nvPr/>
+          </p:nvSpPr>
+          <p:spPr>
+            <a:xfrm>
+              <a:off x="543697" y="605481"/>
+              <a:ext cx="11071654" cy="5844746"/>
+            </a:xfrm>
+            <a:prstGeom prst="rect">
+              <a:avLst/>
+            </a:prstGeom>
+            <a:noFill/>
+            <a:ln w="9525">
+              <a:solidFill>
+                <a:schemeClr val="tx2">
+                  <a:lumMod val="50000"/>
+                  <a:lumOff val="50000"/>
+                </a:schemeClr>
+              </a:solidFill>
+            </a:ln>
+          </p:spPr>
+          <p:style>
+            <a:lnRef idx="2">
+              <a:schemeClr val="accent1">
+                <a:shade val="15000"/>
+              </a:schemeClr>
+            </a:lnRef>
+            <a:fillRef idx="1">
+              <a:schemeClr val="accent1"/>
+            </a:fillRef>
+            <a:effectRef idx="0">
+              <a:schemeClr val="accent1"/>
+            </a:effectRef>
+            <a:fontRef idx="minor">
+              <a:schemeClr val="lt1"/>
+            </a:fontRef>
+          </p:style>
+          <p:txBody>
+            <a:bodyPr rtlCol="0" anchor="ctr"/>
+            <a:lstStyle/>
+            <a:p>
+              <a:pPr algn="ctr"/>
+              <a:endParaRPr kumimoji="1" lang="ko-KR" altLang="en-US"/>
+            </a:p>
+          </p:txBody>
+        </p:sp>
+        <p:pic>
+          <p:nvPicPr>
+            <p:cNvPr id="4" name="그래픽 3">
+              <a:extLst>
+                <a:ext uri="{FF2B5EF4-FFF2-40B4-BE49-F238E27FC236}">
+                  <a16:creationId xmlns:a16="http://schemas.microsoft.com/office/drawing/2014/main" id="{504CAC83-DCC7-2368-63A3-2A06BED6EB7A}"/>
+                </a:ext>
+              </a:extLst>
+            </p:cNvPr>
+            <p:cNvPicPr>
+              <a:picLocks noChangeAspect="1"/>
+            </p:cNvPicPr>
+            <p:nvPr/>
+          </p:nvPicPr>
+          <p:blipFill>
+            <a:blip r:embed="rId2">
+              <a:extLst>
+                <a:ext uri="{96DAC541-7B7A-43D3-8B79-37D633B846F1}">
+                  <asvg:svgBlip xmlns:asvg="http://schemas.microsoft.com/office/drawing/2016/SVG/main" r:embed="rId3"/>
+                </a:ext>
+              </a:extLst>
+            </a:blip>
+            <a:stretch>
+              <a:fillRect/>
+            </a:stretch>
+          </p:blipFill>
+          <p:spPr>
+            <a:xfrm>
+              <a:off x="543697" y="92531"/>
+              <a:ext cx="601931" cy="601931"/>
+            </a:xfrm>
+            <a:prstGeom prst="rect">
+              <a:avLst/>
+            </a:prstGeom>
+          </p:spPr>
+        </p:pic>
+        <p:sp>
+          <p:nvSpPr>
+            <p:cNvPr id="5" name="TextBox 4">
+              <a:extLst>
+                <a:ext uri="{FF2B5EF4-FFF2-40B4-BE49-F238E27FC236}">
+                  <a16:creationId xmlns:a16="http://schemas.microsoft.com/office/drawing/2014/main" id="{4F20BE3A-16B3-8303-8AA3-F97007E0F64D}"/>
+                </a:ext>
+              </a:extLst>
+            </p:cNvPr>
+            <p:cNvSpPr txBox="1"/>
+            <p:nvPr/>
+          </p:nvSpPr>
+          <p:spPr>
+            <a:xfrm>
+              <a:off x="1145628" y="223107"/>
+              <a:ext cx="710451" cy="369332"/>
+            </a:xfrm>
+            <a:prstGeom prst="rect">
+              <a:avLst/>
+            </a:prstGeom>
+            <a:noFill/>
+          </p:spPr>
+          <p:txBody>
+            <a:bodyPr wrap="none" rtlCol="0">
+              <a:spAutoFit/>
+            </a:bodyPr>
+            <a:lstStyle/>
+            <a:p>
+              <a:r>
+                <a:rPr kumimoji="1" lang="en-US" altLang="ko-KR" dirty="0" err="1"/>
+                <a:t>VNet</a:t>
+              </a:r>
+              <a:endParaRPr kumimoji="1" lang="ko-KR" altLang="en-US" dirty="0"/>
+            </a:p>
+          </p:txBody>
+        </p:sp>
+      </p:grpSp>
+      <p:sp>
+        <p:nvSpPr>
+          <p:cNvPr id="6" name="직사각형 5">
+            <a:extLst>
+              <a:ext uri="{FF2B5EF4-FFF2-40B4-BE49-F238E27FC236}">
+                <a16:creationId xmlns:a16="http://schemas.microsoft.com/office/drawing/2014/main" id="{E3CF3E3A-5CD3-5FA9-0C03-86AFB328E52F}"/>
+              </a:ext>
+            </a:extLst>
+          </p:cNvPr>
+          <p:cNvSpPr/>
+          <p:nvPr/>
+        </p:nvSpPr>
+        <p:spPr>
+          <a:xfrm>
+            <a:off x="899638" y="1909366"/>
+            <a:ext cx="3199397" cy="1737191"/>
+          </a:xfrm>
+          <a:prstGeom prst="rect">
+            <a:avLst/>
+          </a:prstGeom>
+          <a:noFill/>
+          <a:ln w="9525">
+            <a:solidFill>
+              <a:schemeClr val="tx2">
+                <a:lumMod val="50000"/>
+                <a:lumOff val="50000"/>
+              </a:schemeClr>
+            </a:solidFill>
+          </a:ln>
+        </p:spPr>
+        <p:style>
+          <a:lnRef idx="2">
+            <a:schemeClr val="accent1">
+              <a:shade val="15000"/>
+            </a:schemeClr>
+          </a:lnRef>
+          <a:fillRef idx="1">
+            <a:schemeClr val="accent1"/>
+          </a:fillRef>
+          <a:effectRef idx="0">
+            <a:schemeClr val="accent1"/>
+          </a:effectRef>
+          <a:fontRef idx="minor">
+            <a:schemeClr val="lt1"/>
+          </a:fontRef>
+        </p:style>
+        <p:txBody>
+          <a:bodyPr rtlCol="0" anchor="ctr"/>
+          <a:lstStyle/>
+          <a:p>
+            <a:pPr algn="ctr"/>
+            <a:endParaRPr kumimoji="1" lang="ko-KR" altLang="en-US"/>
+          </a:p>
+        </p:txBody>
+      </p:sp>
+      <p:sp>
+        <p:nvSpPr>
+          <p:cNvPr id="7" name="TextBox 6">
+            <a:extLst>
+              <a:ext uri="{FF2B5EF4-FFF2-40B4-BE49-F238E27FC236}">
+                <a16:creationId xmlns:a16="http://schemas.microsoft.com/office/drawing/2014/main" id="{5C2809D9-09DF-5B37-1172-42BEC6F66013}"/>
+              </a:ext>
+            </a:extLst>
+          </p:cNvPr>
+          <p:cNvSpPr txBox="1"/>
+          <p:nvPr/>
+        </p:nvSpPr>
+        <p:spPr>
+          <a:xfrm>
+            <a:off x="1501569" y="1526992"/>
+            <a:ext cx="1622560" cy="369332"/>
+          </a:xfrm>
+          <a:prstGeom prst="rect">
+            <a:avLst/>
+          </a:prstGeom>
+          <a:noFill/>
+        </p:spPr>
+        <p:txBody>
+          <a:bodyPr wrap="none" rtlCol="0">
+            <a:spAutoFit/>
+          </a:bodyPr>
+          <a:lstStyle/>
+          <a:p>
+            <a:r>
+              <a:rPr kumimoji="1" lang="en-US" altLang="ko-KR" dirty="0"/>
+              <a:t>Public Subnet</a:t>
+            </a:r>
+            <a:endParaRPr kumimoji="1" lang="ko-KR" altLang="en-US" dirty="0"/>
+          </a:p>
+        </p:txBody>
+      </p:sp>
+      <p:pic>
+        <p:nvPicPr>
+          <p:cNvPr id="8" name="그래픽 7">
+            <a:extLst>
+              <a:ext uri="{FF2B5EF4-FFF2-40B4-BE49-F238E27FC236}">
+                <a16:creationId xmlns:a16="http://schemas.microsoft.com/office/drawing/2014/main" id="{87C86755-B06D-3EB3-B45C-A411E0CDD2F5}"/>
+              </a:ext>
+            </a:extLst>
+          </p:cNvPr>
+          <p:cNvPicPr>
+            <a:picLocks noChangeAspect="1"/>
+          </p:cNvPicPr>
+          <p:nvPr/>
+        </p:nvPicPr>
+        <p:blipFill>
+          <a:blip r:embed="rId4">
+            <a:extLst>
+              <a:ext uri="{96DAC541-7B7A-43D3-8B79-37D633B846F1}">
+                <asvg:svgBlip xmlns:asvg="http://schemas.microsoft.com/office/drawing/2016/SVG/main" r:embed="rId5"/>
+              </a:ext>
+            </a:extLst>
+          </a:blip>
+          <a:stretch>
+            <a:fillRect/>
+          </a:stretch>
+        </p:blipFill>
+        <p:spPr>
+          <a:xfrm>
+            <a:off x="881463" y="1410692"/>
+            <a:ext cx="601931" cy="601931"/>
+          </a:xfrm>
+          <a:prstGeom prst="rect">
+            <a:avLst/>
+          </a:prstGeom>
+        </p:spPr>
+      </p:pic>
+      <p:sp>
+        <p:nvSpPr>
+          <p:cNvPr id="12" name="직사각형 11">
+            <a:extLst>
+              <a:ext uri="{FF2B5EF4-FFF2-40B4-BE49-F238E27FC236}">
+                <a16:creationId xmlns:a16="http://schemas.microsoft.com/office/drawing/2014/main" id="{6ACB7CBD-773A-B410-4FC8-6F0274BD5914}"/>
+              </a:ext>
+            </a:extLst>
+          </p:cNvPr>
+          <p:cNvSpPr/>
+          <p:nvPr/>
+        </p:nvSpPr>
+        <p:spPr>
+          <a:xfrm>
+            <a:off x="8092965" y="1896324"/>
+            <a:ext cx="3199397" cy="1737190"/>
+          </a:xfrm>
+          <a:prstGeom prst="rect">
+            <a:avLst/>
+          </a:prstGeom>
+          <a:noFill/>
+          <a:ln w="9525">
+            <a:solidFill>
+              <a:schemeClr val="tx2">
+                <a:lumMod val="50000"/>
+                <a:lumOff val="50000"/>
+              </a:schemeClr>
+            </a:solidFill>
+          </a:ln>
+        </p:spPr>
+        <p:style>
+          <a:lnRef idx="2">
+            <a:schemeClr val="accent1">
+              <a:shade val="15000"/>
+            </a:schemeClr>
+          </a:lnRef>
+          <a:fillRef idx="1">
+            <a:schemeClr val="accent1"/>
+          </a:fillRef>
+          <a:effectRef idx="0">
+            <a:schemeClr val="accent1"/>
+          </a:effectRef>
+          <a:fontRef idx="minor">
+            <a:schemeClr val="lt1"/>
+          </a:fontRef>
+        </p:style>
+        <p:txBody>
+          <a:bodyPr rtlCol="0" anchor="ctr"/>
+          <a:lstStyle/>
+          <a:p>
+            <a:pPr algn="ctr"/>
+            <a:endParaRPr kumimoji="1" lang="ko-KR" altLang="en-US"/>
+          </a:p>
+        </p:txBody>
+      </p:sp>
+      <p:sp>
+        <p:nvSpPr>
+          <p:cNvPr id="13" name="TextBox 12">
+            <a:extLst>
+              <a:ext uri="{FF2B5EF4-FFF2-40B4-BE49-F238E27FC236}">
+                <a16:creationId xmlns:a16="http://schemas.microsoft.com/office/drawing/2014/main" id="{A568AF02-8A85-059A-C726-8927ADCB41F4}"/>
+              </a:ext>
+            </a:extLst>
+          </p:cNvPr>
+          <p:cNvSpPr txBox="1"/>
+          <p:nvPr/>
+        </p:nvSpPr>
+        <p:spPr>
+          <a:xfrm>
+            <a:off x="8694896" y="1513949"/>
+            <a:ext cx="1635384" cy="369332"/>
+          </a:xfrm>
+          <a:prstGeom prst="rect">
+            <a:avLst/>
+          </a:prstGeom>
+          <a:noFill/>
+        </p:spPr>
+        <p:txBody>
+          <a:bodyPr wrap="none" rtlCol="0">
+            <a:spAutoFit/>
+          </a:bodyPr>
+          <a:lstStyle/>
+          <a:p>
+            <a:r>
+              <a:rPr kumimoji="1" lang="en-US" altLang="ko-KR" dirty="0"/>
+              <a:t>DBMS Subnet</a:t>
+            </a:r>
+            <a:endParaRPr kumimoji="1" lang="ko-KR" altLang="en-US" dirty="0"/>
+          </a:p>
+        </p:txBody>
+      </p:sp>
+      <p:pic>
+        <p:nvPicPr>
+          <p:cNvPr id="14" name="그래픽 13">
+            <a:extLst>
+              <a:ext uri="{FF2B5EF4-FFF2-40B4-BE49-F238E27FC236}">
+                <a16:creationId xmlns:a16="http://schemas.microsoft.com/office/drawing/2014/main" id="{17F866E5-44A3-453D-EE41-3A4052A7E509}"/>
+              </a:ext>
+            </a:extLst>
+          </p:cNvPr>
+          <p:cNvPicPr>
+            <a:picLocks noChangeAspect="1"/>
+          </p:cNvPicPr>
+          <p:nvPr/>
+        </p:nvPicPr>
+        <p:blipFill>
+          <a:blip r:embed="rId4">
+            <a:extLst>
+              <a:ext uri="{96DAC541-7B7A-43D3-8B79-37D633B846F1}">
+                <asvg:svgBlip xmlns:asvg="http://schemas.microsoft.com/office/drawing/2016/SVG/main" r:embed="rId5"/>
+              </a:ext>
+            </a:extLst>
+          </a:blip>
+          <a:stretch>
+            <a:fillRect/>
+          </a:stretch>
+        </p:blipFill>
+        <p:spPr>
+          <a:xfrm>
+            <a:off x="8074790" y="1397649"/>
+            <a:ext cx="601931" cy="601931"/>
+          </a:xfrm>
+          <a:prstGeom prst="rect">
+            <a:avLst/>
+          </a:prstGeom>
+        </p:spPr>
+      </p:pic>
+      <p:sp>
+        <p:nvSpPr>
+          <p:cNvPr id="15" name="직사각형 14">
+            <a:extLst>
+              <a:ext uri="{FF2B5EF4-FFF2-40B4-BE49-F238E27FC236}">
+                <a16:creationId xmlns:a16="http://schemas.microsoft.com/office/drawing/2014/main" id="{9A0C7F6A-9A3B-0DF3-5EA6-445146F08F33}"/>
+              </a:ext>
+            </a:extLst>
+          </p:cNvPr>
+          <p:cNvSpPr/>
+          <p:nvPr/>
+        </p:nvSpPr>
+        <p:spPr>
+          <a:xfrm>
+            <a:off x="8092965" y="4310048"/>
+            <a:ext cx="3199397" cy="1737190"/>
+          </a:xfrm>
+          <a:prstGeom prst="rect">
+            <a:avLst/>
+          </a:prstGeom>
+          <a:noFill/>
+          <a:ln w="9525">
+            <a:solidFill>
+              <a:schemeClr val="tx2">
+                <a:lumMod val="50000"/>
+                <a:lumOff val="50000"/>
+              </a:schemeClr>
+            </a:solidFill>
+          </a:ln>
+        </p:spPr>
+        <p:style>
+          <a:lnRef idx="2">
+            <a:schemeClr val="accent1">
+              <a:shade val="15000"/>
+            </a:schemeClr>
+          </a:lnRef>
+          <a:fillRef idx="1">
+            <a:schemeClr val="accent1"/>
+          </a:fillRef>
+          <a:effectRef idx="0">
+            <a:schemeClr val="accent1"/>
+          </a:effectRef>
+          <a:fontRef idx="minor">
+            <a:schemeClr val="lt1"/>
+          </a:fontRef>
+        </p:style>
+        <p:txBody>
+          <a:bodyPr rtlCol="0" anchor="ctr"/>
+          <a:lstStyle/>
+          <a:p>
+            <a:pPr algn="ctr"/>
+            <a:endParaRPr kumimoji="1" lang="ko-KR" altLang="en-US"/>
+          </a:p>
+        </p:txBody>
+      </p:sp>
+      <p:sp>
+        <p:nvSpPr>
+          <p:cNvPr id="16" name="TextBox 15">
+            <a:extLst>
+              <a:ext uri="{FF2B5EF4-FFF2-40B4-BE49-F238E27FC236}">
+                <a16:creationId xmlns:a16="http://schemas.microsoft.com/office/drawing/2014/main" id="{D1633F51-4584-C778-051A-86D21150D68B}"/>
+              </a:ext>
+            </a:extLst>
+          </p:cNvPr>
+          <p:cNvSpPr txBox="1"/>
+          <p:nvPr/>
+        </p:nvSpPr>
+        <p:spPr>
+          <a:xfrm>
+            <a:off x="8694896" y="3927673"/>
+            <a:ext cx="1249060" cy="369332"/>
+          </a:xfrm>
+          <a:prstGeom prst="rect">
+            <a:avLst/>
+          </a:prstGeom>
+          <a:noFill/>
+        </p:spPr>
+        <p:txBody>
+          <a:bodyPr wrap="none" rtlCol="0">
+            <a:spAutoFit/>
+          </a:bodyPr>
+          <a:lstStyle/>
+          <a:p>
+            <a:r>
+              <a:rPr kumimoji="1" lang="en-US" altLang="ko-KR" dirty="0"/>
+              <a:t>P.E Subnet</a:t>
+            </a:r>
+            <a:endParaRPr kumimoji="1" lang="ko-KR" altLang="en-US" dirty="0"/>
+          </a:p>
+        </p:txBody>
+      </p:sp>
+      <p:pic>
+        <p:nvPicPr>
+          <p:cNvPr id="17" name="그래픽 16">
+            <a:extLst>
+              <a:ext uri="{FF2B5EF4-FFF2-40B4-BE49-F238E27FC236}">
+                <a16:creationId xmlns:a16="http://schemas.microsoft.com/office/drawing/2014/main" id="{12B5E71F-855C-BADF-577A-2144FDEF9B3C}"/>
+              </a:ext>
+            </a:extLst>
+          </p:cNvPr>
+          <p:cNvPicPr>
+            <a:picLocks noChangeAspect="1"/>
+          </p:cNvPicPr>
+          <p:nvPr/>
+        </p:nvPicPr>
+        <p:blipFill>
+          <a:blip r:embed="rId4">
+            <a:extLst>
+              <a:ext uri="{96DAC541-7B7A-43D3-8B79-37D633B846F1}">
+                <asvg:svgBlip xmlns:asvg="http://schemas.microsoft.com/office/drawing/2016/SVG/main" r:embed="rId5"/>
+              </a:ext>
+            </a:extLst>
+          </a:blip>
+          <a:stretch>
+            <a:fillRect/>
+          </a:stretch>
+        </p:blipFill>
+        <p:spPr>
+          <a:xfrm>
+            <a:off x="8074790" y="3811373"/>
+            <a:ext cx="601931" cy="601931"/>
+          </a:xfrm>
+          <a:prstGeom prst="rect">
+            <a:avLst/>
+          </a:prstGeom>
+        </p:spPr>
+      </p:pic>
+      <p:sp>
+        <p:nvSpPr>
+          <p:cNvPr id="19" name="직사각형 18">
+            <a:extLst>
+              <a:ext uri="{FF2B5EF4-FFF2-40B4-BE49-F238E27FC236}">
+                <a16:creationId xmlns:a16="http://schemas.microsoft.com/office/drawing/2014/main" id="{A466FB4B-4DE8-7961-D5B8-D24E04E2FFF7}"/>
+              </a:ext>
+            </a:extLst>
+          </p:cNvPr>
+          <p:cNvSpPr/>
+          <p:nvPr/>
+        </p:nvSpPr>
+        <p:spPr>
+          <a:xfrm>
+            <a:off x="4496301" y="1896324"/>
+            <a:ext cx="3199397" cy="1737190"/>
+          </a:xfrm>
+          <a:prstGeom prst="rect">
+            <a:avLst/>
+          </a:prstGeom>
+          <a:noFill/>
+          <a:ln w="9525">
+            <a:solidFill>
+              <a:schemeClr val="tx2">
+                <a:lumMod val="50000"/>
+                <a:lumOff val="50000"/>
+              </a:schemeClr>
+            </a:solidFill>
+          </a:ln>
+        </p:spPr>
+        <p:style>
+          <a:lnRef idx="2">
+            <a:schemeClr val="accent1">
+              <a:shade val="15000"/>
+            </a:schemeClr>
+          </a:lnRef>
+          <a:fillRef idx="1">
+            <a:schemeClr val="accent1"/>
+          </a:fillRef>
+          <a:effectRef idx="0">
+            <a:schemeClr val="accent1"/>
+          </a:effectRef>
+          <a:fontRef idx="minor">
+            <a:schemeClr val="lt1"/>
+          </a:fontRef>
+        </p:style>
+        <p:txBody>
+          <a:bodyPr rtlCol="0" anchor="ctr"/>
+          <a:lstStyle/>
+          <a:p>
+            <a:pPr algn="ctr"/>
+            <a:endParaRPr kumimoji="1" lang="ko-KR" altLang="en-US"/>
+          </a:p>
+        </p:txBody>
+      </p:sp>
+      <p:sp>
+        <p:nvSpPr>
+          <p:cNvPr id="20" name="TextBox 19">
+            <a:extLst>
+              <a:ext uri="{FF2B5EF4-FFF2-40B4-BE49-F238E27FC236}">
+                <a16:creationId xmlns:a16="http://schemas.microsoft.com/office/drawing/2014/main" id="{64C0E90A-B08B-B74F-2A91-FDC661492EFC}"/>
+              </a:ext>
+            </a:extLst>
+          </p:cNvPr>
+          <p:cNvSpPr txBox="1"/>
+          <p:nvPr/>
+        </p:nvSpPr>
+        <p:spPr>
+          <a:xfrm>
+            <a:off x="5098232" y="1513949"/>
+            <a:ext cx="1412566" cy="369332"/>
+          </a:xfrm>
+          <a:prstGeom prst="rect">
+            <a:avLst/>
+          </a:prstGeom>
+          <a:noFill/>
+        </p:spPr>
+        <p:txBody>
+          <a:bodyPr wrap="none" rtlCol="0">
+            <a:spAutoFit/>
+          </a:bodyPr>
+          <a:lstStyle/>
+          <a:p>
+            <a:r>
+              <a:rPr kumimoji="1" lang="en-US" altLang="ko-KR" dirty="0"/>
+              <a:t>AKS Subnet</a:t>
+            </a:r>
+            <a:endParaRPr kumimoji="1" lang="ko-KR" altLang="en-US" dirty="0"/>
+          </a:p>
+        </p:txBody>
+      </p:sp>
+      <p:pic>
+        <p:nvPicPr>
+          <p:cNvPr id="21" name="그래픽 20">
+            <a:extLst>
+              <a:ext uri="{FF2B5EF4-FFF2-40B4-BE49-F238E27FC236}">
+                <a16:creationId xmlns:a16="http://schemas.microsoft.com/office/drawing/2014/main" id="{EAFA2834-8392-1E5B-758A-03F3EDA99DC3}"/>
+              </a:ext>
+            </a:extLst>
+          </p:cNvPr>
+          <p:cNvPicPr>
+            <a:picLocks noChangeAspect="1"/>
+          </p:cNvPicPr>
+          <p:nvPr/>
+        </p:nvPicPr>
+        <p:blipFill>
+          <a:blip r:embed="rId4">
+            <a:extLst>
+              <a:ext uri="{96DAC541-7B7A-43D3-8B79-37D633B846F1}">
+                <asvg:svgBlip xmlns:asvg="http://schemas.microsoft.com/office/drawing/2016/SVG/main" r:embed="rId5"/>
+              </a:ext>
+            </a:extLst>
+          </a:blip>
+          <a:stretch>
+            <a:fillRect/>
+          </a:stretch>
+        </p:blipFill>
+        <p:spPr>
+          <a:xfrm>
+            <a:off x="4478126" y="1397649"/>
+            <a:ext cx="601931" cy="601931"/>
+          </a:xfrm>
+          <a:prstGeom prst="rect">
+            <a:avLst/>
+          </a:prstGeom>
+        </p:spPr>
+      </p:pic>
+      <p:sp>
+        <p:nvSpPr>
+          <p:cNvPr id="22" name="직사각형 21">
+            <a:extLst>
+              <a:ext uri="{FF2B5EF4-FFF2-40B4-BE49-F238E27FC236}">
+                <a16:creationId xmlns:a16="http://schemas.microsoft.com/office/drawing/2014/main" id="{3D46F5AB-0A23-20E5-FEE9-594844DC0BD4}"/>
+              </a:ext>
+            </a:extLst>
+          </p:cNvPr>
+          <p:cNvSpPr/>
+          <p:nvPr/>
+        </p:nvSpPr>
+        <p:spPr>
+          <a:xfrm>
+            <a:off x="4496301" y="4310048"/>
+            <a:ext cx="3199397" cy="1737190"/>
+          </a:xfrm>
+          <a:prstGeom prst="rect">
+            <a:avLst/>
+          </a:prstGeom>
+          <a:noFill/>
+          <a:ln w="9525">
+            <a:solidFill>
+              <a:schemeClr val="tx2">
+                <a:lumMod val="50000"/>
+                <a:lumOff val="50000"/>
+              </a:schemeClr>
+            </a:solidFill>
+          </a:ln>
+        </p:spPr>
+        <p:style>
+          <a:lnRef idx="2">
+            <a:schemeClr val="accent1">
+              <a:shade val="15000"/>
+            </a:schemeClr>
+          </a:lnRef>
+          <a:fillRef idx="1">
+            <a:schemeClr val="accent1"/>
+          </a:fillRef>
+          <a:effectRef idx="0">
+            <a:schemeClr val="accent1"/>
+          </a:effectRef>
+          <a:fontRef idx="minor">
+            <a:schemeClr val="lt1"/>
+          </a:fontRef>
+        </p:style>
+        <p:txBody>
+          <a:bodyPr rtlCol="0" anchor="ctr"/>
+          <a:lstStyle/>
+          <a:p>
+            <a:pPr algn="ctr"/>
+            <a:endParaRPr kumimoji="1" lang="ko-KR" altLang="en-US"/>
+          </a:p>
+        </p:txBody>
+      </p:sp>
+      <p:sp>
+        <p:nvSpPr>
+          <p:cNvPr id="23" name="TextBox 22">
+            <a:extLst>
+              <a:ext uri="{FF2B5EF4-FFF2-40B4-BE49-F238E27FC236}">
+                <a16:creationId xmlns:a16="http://schemas.microsoft.com/office/drawing/2014/main" id="{EBF4CD82-DFA4-864D-EB82-93BE45C58E99}"/>
+              </a:ext>
+            </a:extLst>
+          </p:cNvPr>
+          <p:cNvSpPr txBox="1"/>
+          <p:nvPr/>
+        </p:nvSpPr>
+        <p:spPr>
+          <a:xfrm>
+            <a:off x="5098232" y="3927673"/>
+            <a:ext cx="1556836" cy="369332"/>
+          </a:xfrm>
+          <a:prstGeom prst="rect">
+            <a:avLst/>
+          </a:prstGeom>
+          <a:noFill/>
+        </p:spPr>
+        <p:txBody>
+          <a:bodyPr wrap="none" rtlCol="0">
+            <a:spAutoFit/>
+          </a:bodyPr>
+          <a:lstStyle/>
+          <a:p>
+            <a:r>
+              <a:rPr kumimoji="1" lang="en-US" altLang="ko-KR" dirty="0"/>
+              <a:t>APIM Subnet</a:t>
+            </a:r>
+            <a:endParaRPr kumimoji="1" lang="ko-KR" altLang="en-US" dirty="0"/>
+          </a:p>
+        </p:txBody>
+      </p:sp>
+      <p:pic>
+        <p:nvPicPr>
+          <p:cNvPr id="24" name="그래픽 23">
+            <a:extLst>
+              <a:ext uri="{FF2B5EF4-FFF2-40B4-BE49-F238E27FC236}">
+                <a16:creationId xmlns:a16="http://schemas.microsoft.com/office/drawing/2014/main" id="{55F19E27-AC70-EF9E-6BB4-1062C90A3BFA}"/>
+              </a:ext>
+            </a:extLst>
+          </p:cNvPr>
+          <p:cNvPicPr>
+            <a:picLocks noChangeAspect="1"/>
+          </p:cNvPicPr>
+          <p:nvPr/>
+        </p:nvPicPr>
+        <p:blipFill>
+          <a:blip r:embed="rId4">
+            <a:extLst>
+              <a:ext uri="{96DAC541-7B7A-43D3-8B79-37D633B846F1}">
+                <asvg:svgBlip xmlns:asvg="http://schemas.microsoft.com/office/drawing/2016/SVG/main" r:embed="rId5"/>
+              </a:ext>
+            </a:extLst>
+          </a:blip>
+          <a:stretch>
+            <a:fillRect/>
+          </a:stretch>
+        </p:blipFill>
+        <p:spPr>
+          <a:xfrm>
+            <a:off x="4478126" y="3811373"/>
+            <a:ext cx="601931" cy="601931"/>
+          </a:xfrm>
+          <a:prstGeom prst="rect">
+            <a:avLst/>
+          </a:prstGeom>
+        </p:spPr>
+      </p:pic>
+    </p:spTree>
+    <p:extLst>
+      <p:ext uri="{BB962C8B-B14F-4D97-AF65-F5344CB8AC3E}">
+        <p14:creationId xmlns:p14="http://schemas.microsoft.com/office/powerpoint/2010/main" val="41177074"/>
       </p:ext>
     </p:extLst>
   </p:cSld>
